--- a/webárúház.pptx
+++ b/webárúház.pptx
@@ -7,10 +7,11 @@
   <p:sldIdLst>
     <p:sldId id="259" r:id="rId2"/>
     <p:sldId id="256" r:id="rId3"/>
-    <p:sldId id="257" r:id="rId4"/>
-    <p:sldId id="261" r:id="rId5"/>
-    <p:sldId id="260" r:id="rId6"/>
-    <p:sldId id="258" r:id="rId7"/>
+    <p:sldId id="262" r:id="rId4"/>
+    <p:sldId id="257" r:id="rId5"/>
+    <p:sldId id="261" r:id="rId6"/>
+    <p:sldId id="260" r:id="rId7"/>
+    <p:sldId id="258" r:id="rId8"/>
   </p:sldIdLst>
   <p:sldSz cx="12192000" cy="6858000"/>
   <p:notesSz cx="6858000" cy="9144000"/>
@@ -248,7 +249,7 @@
           <a:p>
             <a:fld id="{33849697-961D-401B-AAAF-FABEEF374136}" type="datetimeFigureOut">
               <a:rPr lang="hu-HU" smtClean="0"/>
-              <a:t>2022.10.06.</a:t>
+              <a:t>2022.10.11.</a:t>
             </a:fld>
             <a:endParaRPr lang="hu-HU"/>
           </a:p>
@@ -418,7 +419,7 @@
           <a:p>
             <a:fld id="{33849697-961D-401B-AAAF-FABEEF374136}" type="datetimeFigureOut">
               <a:rPr lang="hu-HU" smtClean="0"/>
-              <a:t>2022.10.06.</a:t>
+              <a:t>2022.10.11.</a:t>
             </a:fld>
             <a:endParaRPr lang="hu-HU"/>
           </a:p>
@@ -598,7 +599,7 @@
           <a:p>
             <a:fld id="{33849697-961D-401B-AAAF-FABEEF374136}" type="datetimeFigureOut">
               <a:rPr lang="hu-HU" smtClean="0"/>
-              <a:t>2022.10.06.</a:t>
+              <a:t>2022.10.11.</a:t>
             </a:fld>
             <a:endParaRPr lang="hu-HU"/>
           </a:p>
@@ -768,7 +769,7 @@
           <a:p>
             <a:fld id="{33849697-961D-401B-AAAF-FABEEF374136}" type="datetimeFigureOut">
               <a:rPr lang="hu-HU" smtClean="0"/>
-              <a:t>2022.10.06.</a:t>
+              <a:t>2022.10.11.</a:t>
             </a:fld>
             <a:endParaRPr lang="hu-HU"/>
           </a:p>
@@ -1014,7 +1015,7 @@
           <a:p>
             <a:fld id="{33849697-961D-401B-AAAF-FABEEF374136}" type="datetimeFigureOut">
               <a:rPr lang="hu-HU" smtClean="0"/>
-              <a:t>2022.10.06.</a:t>
+              <a:t>2022.10.11.</a:t>
             </a:fld>
             <a:endParaRPr lang="hu-HU"/>
           </a:p>
@@ -1246,7 +1247,7 @@
           <a:p>
             <a:fld id="{33849697-961D-401B-AAAF-FABEEF374136}" type="datetimeFigureOut">
               <a:rPr lang="hu-HU" smtClean="0"/>
-              <a:t>2022.10.06.</a:t>
+              <a:t>2022.10.11.</a:t>
             </a:fld>
             <a:endParaRPr lang="hu-HU"/>
           </a:p>
@@ -1613,7 +1614,7 @@
           <a:p>
             <a:fld id="{33849697-961D-401B-AAAF-FABEEF374136}" type="datetimeFigureOut">
               <a:rPr lang="hu-HU" smtClean="0"/>
-              <a:t>2022.10.06.</a:t>
+              <a:t>2022.10.11.</a:t>
             </a:fld>
             <a:endParaRPr lang="hu-HU"/>
           </a:p>
@@ -1731,7 +1732,7 @@
           <a:p>
             <a:fld id="{33849697-961D-401B-AAAF-FABEEF374136}" type="datetimeFigureOut">
               <a:rPr lang="hu-HU" smtClean="0"/>
-              <a:t>2022.10.06.</a:t>
+              <a:t>2022.10.11.</a:t>
             </a:fld>
             <a:endParaRPr lang="hu-HU"/>
           </a:p>
@@ -1826,7 +1827,7 @@
           <a:p>
             <a:fld id="{33849697-961D-401B-AAAF-FABEEF374136}" type="datetimeFigureOut">
               <a:rPr lang="hu-HU" smtClean="0"/>
-              <a:t>2022.10.06.</a:t>
+              <a:t>2022.10.11.</a:t>
             </a:fld>
             <a:endParaRPr lang="hu-HU"/>
           </a:p>
@@ -2103,7 +2104,7 @@
           <a:p>
             <a:fld id="{33849697-961D-401B-AAAF-FABEEF374136}" type="datetimeFigureOut">
               <a:rPr lang="hu-HU" smtClean="0"/>
-              <a:t>2022.10.06.</a:t>
+              <a:t>2022.10.11.</a:t>
             </a:fld>
             <a:endParaRPr lang="hu-HU"/>
           </a:p>
@@ -2356,7 +2357,7 @@
           <a:p>
             <a:fld id="{33849697-961D-401B-AAAF-FABEEF374136}" type="datetimeFigureOut">
               <a:rPr lang="hu-HU" smtClean="0"/>
-              <a:t>2022.10.06.</a:t>
+              <a:t>2022.10.11.</a:t>
             </a:fld>
             <a:endParaRPr lang="hu-HU"/>
           </a:p>
@@ -2579,7 +2580,7 @@
           <a:p>
             <a:fld id="{33849697-961D-401B-AAAF-FABEEF374136}" type="datetimeFigureOut">
               <a:rPr lang="hu-HU" smtClean="0"/>
-              <a:t>2022.10.06.</a:t>
+              <a:t>2022.10.11.</a:t>
             </a:fld>
             <a:endParaRPr lang="hu-HU"/>
           </a:p>
@@ -3551,159 +3552,38 @@
           <a:chExt cx="0" cy="0"/>
         </a:xfrm>
       </p:grpSpPr>
-      <p:pic>
-        <p:nvPicPr>
-          <p:cNvPr id="6" name="Kép 5"/>
-          <p:cNvPicPr>
-            <a:picLocks noChangeAspect="1"/>
-          </p:cNvPicPr>
-          <p:nvPr/>
-        </p:nvPicPr>
-        <p:blipFill>
-          <a:blip r:embed="rId2">
-            <a:extLst>
-              <a:ext uri="{28A0092B-C50C-407E-A947-70E740481C1C}">
-                <a14:useLocalDpi xmlns:a14="http://schemas.microsoft.com/office/drawing/2010/main" val="0"/>
-              </a:ext>
-            </a:extLst>
-          </a:blip>
-          <a:stretch>
-            <a:fillRect/>
-          </a:stretch>
-        </p:blipFill>
-        <p:spPr>
-          <a:xfrm>
-            <a:off x="0" y="528277"/>
-            <a:ext cx="12192000" cy="5801445"/>
-          </a:xfrm>
-          <a:prstGeom prst="rect">
-            <a:avLst/>
-          </a:prstGeom>
-        </p:spPr>
-      </p:pic>
-      <p:sp>
-        <p:nvSpPr>
-          <p:cNvPr id="10" name="Téglalap 9"/>
-          <p:cNvSpPr/>
-          <p:nvPr/>
-        </p:nvSpPr>
-        <p:spPr>
-          <a:xfrm>
-            <a:off x="5172891" y="740229"/>
-            <a:ext cx="1584960" cy="539931"/>
-          </a:xfrm>
-          <a:prstGeom prst="rect">
-            <a:avLst/>
-          </a:prstGeom>
-        </p:spPr>
-        <p:style>
-          <a:lnRef idx="2">
-            <a:schemeClr val="accent1">
-              <a:shade val="50000"/>
-            </a:schemeClr>
-          </a:lnRef>
-          <a:fillRef idx="1">
-            <a:schemeClr val="accent1"/>
-          </a:fillRef>
-          <a:effectRef idx="0">
-            <a:schemeClr val="accent1"/>
-          </a:effectRef>
-          <a:fontRef idx="minor">
-            <a:schemeClr val="lt1"/>
-          </a:fontRef>
-        </p:style>
-        <p:txBody>
-          <a:bodyPr rtlCol="0" anchor="ctr"/>
+      <p:sp>
+        <p:nvSpPr>
+          <p:cNvPr id="2" name="Cím 1"/>
+          <p:cNvSpPr>
+            <a:spLocks noGrp="1"/>
+          </p:cNvSpPr>
+          <p:nvPr>
+            <p:ph type="title"/>
+          </p:nvPr>
+        </p:nvSpPr>
+        <p:spPr>
+          <a:xfrm>
+            <a:off x="489857" y="2942862"/>
+            <a:ext cx="10515600" cy="1325563"/>
+          </a:xfrm>
+        </p:spPr>
+        <p:txBody>
+          <a:bodyPr>
+            <a:normAutofit/>
+          </a:bodyPr>
           <a:lstStyle/>
           <a:p>
             <a:pPr algn="ctr"/>
-            <a:endParaRPr lang="hu-HU"/>
-          </a:p>
-        </p:txBody>
-      </p:sp>
-      <p:sp>
-        <p:nvSpPr>
-          <p:cNvPr id="12" name="Téglalap 11"/>
-          <p:cNvSpPr/>
-          <p:nvPr/>
-        </p:nvSpPr>
-        <p:spPr>
-          <a:xfrm>
-            <a:off x="111033" y="3159033"/>
-            <a:ext cx="2181498" cy="539931"/>
-          </a:xfrm>
-          <a:prstGeom prst="rect">
-            <a:avLst/>
-          </a:prstGeom>
-        </p:spPr>
-        <p:style>
-          <a:lnRef idx="2">
-            <a:schemeClr val="accent1">
-              <a:shade val="50000"/>
-            </a:schemeClr>
-          </a:lnRef>
-          <a:fillRef idx="1">
-            <a:schemeClr val="accent1"/>
-          </a:fillRef>
-          <a:effectRef idx="0">
-            <a:schemeClr val="accent1"/>
-          </a:effectRef>
-          <a:fontRef idx="minor">
-            <a:schemeClr val="lt1"/>
-          </a:fontRef>
-        </p:style>
-        <p:txBody>
-          <a:bodyPr rtlCol="0" anchor="ctr"/>
-          <a:lstStyle/>
-          <a:p>
-            <a:pPr algn="ctr"/>
-            <a:endParaRPr lang="hu-HU"/>
-          </a:p>
-        </p:txBody>
-      </p:sp>
-      <p:sp>
-        <p:nvSpPr>
-          <p:cNvPr id="7" name="Téglalap 6"/>
-          <p:cNvSpPr/>
-          <p:nvPr/>
-        </p:nvSpPr>
-        <p:spPr>
-          <a:xfrm>
-            <a:off x="2403565" y="1576251"/>
-            <a:ext cx="9457509" cy="4753471"/>
-          </a:xfrm>
-          <a:prstGeom prst="rect">
-            <a:avLst/>
-          </a:prstGeom>
-          <a:noFill/>
-          <a:ln w="76200">
-            <a:solidFill>
-              <a:schemeClr val="tx1"/>
-            </a:solidFill>
-          </a:ln>
-        </p:spPr>
-        <p:style>
-          <a:lnRef idx="2">
-            <a:schemeClr val="accent1">
-              <a:shade val="50000"/>
-            </a:schemeClr>
-          </a:lnRef>
-          <a:fillRef idx="1">
-            <a:schemeClr val="accent1"/>
-          </a:fillRef>
-          <a:effectRef idx="0">
-            <a:schemeClr val="accent1"/>
-          </a:effectRef>
-          <a:fontRef idx="minor">
-            <a:schemeClr val="lt1"/>
-          </a:fontRef>
-        </p:style>
-        <p:txBody>
-          <a:bodyPr rtlCol="0" anchor="ctr"/>
-          <a:lstStyle/>
-          <a:p>
-            <a:pPr algn="ctr"/>
-            <a:endParaRPr lang="hu-HU" sz="4400" dirty="0">
+            <a:r>
+              <a:rPr lang="hu-HU" sz="6000" dirty="0" smtClean="0">
+                <a:solidFill>
+                  <a:srgbClr val="FF0000"/>
+                </a:solidFill>
+              </a:rPr>
+              <a:t>TERVEZETBEN</a:t>
+            </a:r>
+            <a:endParaRPr lang="hu-HU" sz="6000" dirty="0">
               <a:solidFill>
                 <a:srgbClr val="FF0000"/>
               </a:solidFill>
@@ -3713,726 +3593,27 @@
       </p:sp>
       <p:sp>
         <p:nvSpPr>
-          <p:cNvPr id="8" name="Téglalap 7"/>
-          <p:cNvSpPr/>
-          <p:nvPr/>
-        </p:nvSpPr>
-        <p:spPr>
-          <a:xfrm>
-            <a:off x="0" y="528277"/>
-            <a:ext cx="11861074" cy="1047974"/>
-          </a:xfrm>
-          <a:prstGeom prst="rect">
-            <a:avLst/>
-          </a:prstGeom>
-          <a:noFill/>
-          <a:ln w="76200">
-            <a:solidFill>
-              <a:schemeClr val="tx1"/>
-            </a:solidFill>
-          </a:ln>
-        </p:spPr>
-        <p:style>
-          <a:lnRef idx="2">
-            <a:schemeClr val="accent1">
-              <a:shade val="50000"/>
-            </a:schemeClr>
-          </a:lnRef>
-          <a:fillRef idx="1">
-            <a:schemeClr val="accent1"/>
-          </a:fillRef>
-          <a:effectRef idx="0">
-            <a:schemeClr val="accent1"/>
-          </a:effectRef>
-          <a:fontRef idx="minor">
-            <a:schemeClr val="lt1"/>
-          </a:fontRef>
-        </p:style>
-        <p:txBody>
-          <a:bodyPr rtlCol="0" anchor="ctr"/>
-          <a:lstStyle/>
-          <a:p>
-            <a:pPr algn="ctr"/>
-            <a:r>
-              <a:rPr lang="hu-HU" sz="3600" dirty="0" smtClean="0">
-                <a:solidFill>
-                  <a:srgbClr val="FF0000"/>
-                </a:solidFill>
-              </a:rPr>
-              <a:t>Kereső</a:t>
-            </a:r>
-            <a:endParaRPr lang="hu-HU" sz="3600" dirty="0">
-              <a:solidFill>
-                <a:srgbClr val="FF0000"/>
-              </a:solidFill>
-            </a:endParaRPr>
-          </a:p>
-        </p:txBody>
-      </p:sp>
-      <p:sp>
-        <p:nvSpPr>
-          <p:cNvPr id="9" name="Téglalap 8"/>
-          <p:cNvSpPr/>
-          <p:nvPr/>
-        </p:nvSpPr>
-        <p:spPr>
-          <a:xfrm>
-            <a:off x="0" y="1576252"/>
-            <a:ext cx="2403565" cy="3709852"/>
-          </a:xfrm>
-          <a:prstGeom prst="rect">
-            <a:avLst/>
-          </a:prstGeom>
-          <a:noFill/>
-          <a:ln w="76200">
-            <a:solidFill>
-              <a:schemeClr val="tx1"/>
-            </a:solidFill>
-          </a:ln>
-        </p:spPr>
-        <p:style>
-          <a:lnRef idx="2">
-            <a:schemeClr val="accent1">
-              <a:shade val="50000"/>
-            </a:schemeClr>
-          </a:lnRef>
-          <a:fillRef idx="1">
-            <a:schemeClr val="accent1"/>
-          </a:fillRef>
-          <a:effectRef idx="0">
-            <a:schemeClr val="accent1"/>
-          </a:effectRef>
-          <a:fontRef idx="minor">
-            <a:schemeClr val="lt1"/>
-          </a:fontRef>
-        </p:style>
-        <p:txBody>
-          <a:bodyPr rtlCol="0" anchor="ctr"/>
-          <a:lstStyle/>
-          <a:p>
-            <a:pPr algn="ctr"/>
-            <a:r>
-              <a:rPr lang="hu-HU" sz="3200" dirty="0" smtClean="0">
-                <a:solidFill>
-                  <a:srgbClr val="FF0000"/>
-                </a:solidFill>
-              </a:rPr>
-              <a:t>Kategória</a:t>
-            </a:r>
-            <a:endParaRPr lang="hu-HU" sz="3200" dirty="0">
-              <a:solidFill>
-                <a:srgbClr val="FF0000"/>
-              </a:solidFill>
-            </a:endParaRPr>
-          </a:p>
-        </p:txBody>
-      </p:sp>
-      <p:sp>
-        <p:nvSpPr>
-          <p:cNvPr id="14" name="Téglalap 13"/>
-          <p:cNvSpPr/>
-          <p:nvPr/>
-        </p:nvSpPr>
-        <p:spPr>
-          <a:xfrm>
-            <a:off x="111033" y="5519826"/>
-            <a:ext cx="2181498" cy="539931"/>
-          </a:xfrm>
-          <a:prstGeom prst="rect">
-            <a:avLst/>
-          </a:prstGeom>
-        </p:spPr>
-        <p:style>
-          <a:lnRef idx="2">
-            <a:schemeClr val="accent1">
-              <a:shade val="50000"/>
-            </a:schemeClr>
-          </a:lnRef>
-          <a:fillRef idx="1">
-            <a:schemeClr val="accent1"/>
-          </a:fillRef>
-          <a:effectRef idx="0">
-            <a:schemeClr val="accent1"/>
-          </a:effectRef>
-          <a:fontRef idx="minor">
-            <a:schemeClr val="lt1"/>
-          </a:fontRef>
-        </p:style>
-        <p:txBody>
-          <a:bodyPr rtlCol="0" anchor="ctr"/>
-          <a:lstStyle/>
-          <a:p>
-            <a:pPr algn="ctr"/>
-            <a:endParaRPr lang="hu-HU"/>
-          </a:p>
-        </p:txBody>
-      </p:sp>
-      <p:sp>
-        <p:nvSpPr>
-          <p:cNvPr id="13" name="Téglalap 12"/>
-          <p:cNvSpPr/>
-          <p:nvPr/>
-        </p:nvSpPr>
-        <p:spPr>
-          <a:xfrm>
-            <a:off x="0" y="5286104"/>
-            <a:ext cx="2403565" cy="1043618"/>
-          </a:xfrm>
-          <a:prstGeom prst="rect">
-            <a:avLst/>
-          </a:prstGeom>
-          <a:noFill/>
-          <a:ln w="76200">
-            <a:solidFill>
-              <a:schemeClr val="tx1"/>
-            </a:solidFill>
-          </a:ln>
-        </p:spPr>
-        <p:style>
-          <a:lnRef idx="2">
-            <a:schemeClr val="accent1">
-              <a:shade val="50000"/>
-            </a:schemeClr>
-          </a:lnRef>
-          <a:fillRef idx="1">
-            <a:schemeClr val="accent1"/>
-          </a:fillRef>
-          <a:effectRef idx="0">
-            <a:schemeClr val="accent1"/>
-          </a:effectRef>
-          <a:fontRef idx="minor">
-            <a:schemeClr val="lt1"/>
-          </a:fontRef>
-        </p:style>
-        <p:txBody>
-          <a:bodyPr rtlCol="0" anchor="ctr"/>
-          <a:lstStyle/>
-          <a:p>
-            <a:pPr algn="ctr"/>
-            <a:r>
-              <a:rPr lang="hu-HU" sz="2400" dirty="0" smtClean="0">
-                <a:solidFill>
-                  <a:srgbClr val="FF0000"/>
-                </a:solidFill>
-              </a:rPr>
-              <a:t>Összehasonlítás</a:t>
-            </a:r>
-            <a:endParaRPr lang="hu-HU" sz="2400" dirty="0">
-              <a:solidFill>
-                <a:srgbClr val="FF0000"/>
-              </a:solidFill>
-            </a:endParaRPr>
-          </a:p>
-        </p:txBody>
-      </p:sp>
-      <p:sp>
-        <p:nvSpPr>
-          <p:cNvPr id="15" name="Téglalap 14"/>
-          <p:cNvSpPr/>
-          <p:nvPr/>
-        </p:nvSpPr>
-        <p:spPr>
-          <a:xfrm>
-            <a:off x="2751907" y="2072640"/>
-            <a:ext cx="1354184" cy="1600199"/>
-          </a:xfrm>
-          <a:prstGeom prst="rect">
-            <a:avLst/>
-          </a:prstGeom>
-        </p:spPr>
-        <p:style>
-          <a:lnRef idx="2">
-            <a:schemeClr val="accent1">
-              <a:shade val="50000"/>
-            </a:schemeClr>
-          </a:lnRef>
-          <a:fillRef idx="1">
-            <a:schemeClr val="accent1"/>
-          </a:fillRef>
-          <a:effectRef idx="0">
-            <a:schemeClr val="accent1"/>
-          </a:effectRef>
-          <a:fontRef idx="minor">
-            <a:schemeClr val="lt1"/>
-          </a:fontRef>
-        </p:style>
-        <p:txBody>
-          <a:bodyPr rtlCol="0" anchor="ctr"/>
-          <a:lstStyle/>
-          <a:p>
-            <a:pPr algn="ctr"/>
-            <a:endParaRPr lang="hu-HU"/>
-          </a:p>
-        </p:txBody>
-      </p:sp>
-      <p:sp>
-        <p:nvSpPr>
-          <p:cNvPr id="19" name="Téglalap 18"/>
-          <p:cNvSpPr/>
-          <p:nvPr/>
-        </p:nvSpPr>
-        <p:spPr>
-          <a:xfrm>
-            <a:off x="4548048" y="2072635"/>
-            <a:ext cx="1354184" cy="1600199"/>
-          </a:xfrm>
-          <a:prstGeom prst="rect">
-            <a:avLst/>
-          </a:prstGeom>
-        </p:spPr>
-        <p:style>
-          <a:lnRef idx="2">
-            <a:schemeClr val="accent1">
-              <a:shade val="50000"/>
-            </a:schemeClr>
-          </a:lnRef>
-          <a:fillRef idx="1">
-            <a:schemeClr val="accent1"/>
-          </a:fillRef>
-          <a:effectRef idx="0">
-            <a:schemeClr val="accent1"/>
-          </a:effectRef>
-          <a:fontRef idx="minor">
-            <a:schemeClr val="lt1"/>
-          </a:fontRef>
-        </p:style>
-        <p:txBody>
-          <a:bodyPr rtlCol="0" anchor="ctr"/>
-          <a:lstStyle/>
-          <a:p>
-            <a:pPr algn="ctr"/>
-            <a:endParaRPr lang="hu-HU"/>
-          </a:p>
-        </p:txBody>
-      </p:sp>
-      <p:sp>
-        <p:nvSpPr>
-          <p:cNvPr id="20" name="Téglalap 19"/>
-          <p:cNvSpPr/>
-          <p:nvPr/>
-        </p:nvSpPr>
-        <p:spPr>
-          <a:xfrm>
-            <a:off x="6339835" y="2072634"/>
-            <a:ext cx="1354184" cy="1600199"/>
-          </a:xfrm>
-          <a:prstGeom prst="rect">
-            <a:avLst/>
-          </a:prstGeom>
-        </p:spPr>
-        <p:style>
-          <a:lnRef idx="2">
-            <a:schemeClr val="accent1">
-              <a:shade val="50000"/>
-            </a:schemeClr>
-          </a:lnRef>
-          <a:fillRef idx="1">
-            <a:schemeClr val="accent1"/>
-          </a:fillRef>
-          <a:effectRef idx="0">
-            <a:schemeClr val="accent1"/>
-          </a:effectRef>
-          <a:fontRef idx="minor">
-            <a:schemeClr val="lt1"/>
-          </a:fontRef>
-        </p:style>
-        <p:txBody>
-          <a:bodyPr rtlCol="0" anchor="ctr"/>
-          <a:lstStyle/>
-          <a:p>
-            <a:pPr algn="ctr"/>
-            <a:endParaRPr lang="hu-HU"/>
-          </a:p>
-        </p:txBody>
-      </p:sp>
-      <p:sp>
-        <p:nvSpPr>
-          <p:cNvPr id="21" name="Téglalap 20"/>
-          <p:cNvSpPr/>
-          <p:nvPr/>
-        </p:nvSpPr>
-        <p:spPr>
-          <a:xfrm>
-            <a:off x="8171902" y="2072634"/>
-            <a:ext cx="1354184" cy="1600199"/>
-          </a:xfrm>
-          <a:prstGeom prst="rect">
-            <a:avLst/>
-          </a:prstGeom>
-        </p:spPr>
-        <p:style>
-          <a:lnRef idx="2">
-            <a:schemeClr val="accent1">
-              <a:shade val="50000"/>
-            </a:schemeClr>
-          </a:lnRef>
-          <a:fillRef idx="1">
-            <a:schemeClr val="accent1"/>
-          </a:fillRef>
-          <a:effectRef idx="0">
-            <a:schemeClr val="accent1"/>
-          </a:effectRef>
-          <a:fontRef idx="minor">
-            <a:schemeClr val="lt1"/>
-          </a:fontRef>
-        </p:style>
-        <p:txBody>
-          <a:bodyPr rtlCol="0" anchor="ctr"/>
-          <a:lstStyle/>
-          <a:p>
-            <a:pPr algn="ctr"/>
-            <a:endParaRPr lang="hu-HU"/>
-          </a:p>
-        </p:txBody>
-      </p:sp>
-      <p:sp>
-        <p:nvSpPr>
-          <p:cNvPr id="22" name="Téglalap 21"/>
-          <p:cNvSpPr/>
-          <p:nvPr/>
-        </p:nvSpPr>
-        <p:spPr>
-          <a:xfrm>
-            <a:off x="10073637" y="2072633"/>
-            <a:ext cx="1354184" cy="1600199"/>
-          </a:xfrm>
-          <a:prstGeom prst="rect">
-            <a:avLst/>
-          </a:prstGeom>
-        </p:spPr>
-        <p:style>
-          <a:lnRef idx="2">
-            <a:schemeClr val="accent1">
-              <a:shade val="50000"/>
-            </a:schemeClr>
-          </a:lnRef>
-          <a:fillRef idx="1">
-            <a:schemeClr val="accent1"/>
-          </a:fillRef>
-          <a:effectRef idx="0">
-            <a:schemeClr val="accent1"/>
-          </a:effectRef>
-          <a:fontRef idx="minor">
-            <a:schemeClr val="lt1"/>
-          </a:fontRef>
-        </p:style>
-        <p:txBody>
-          <a:bodyPr rtlCol="0" anchor="ctr"/>
-          <a:lstStyle/>
-          <a:p>
-            <a:pPr algn="ctr"/>
-            <a:endParaRPr lang="hu-HU"/>
-          </a:p>
-        </p:txBody>
-      </p:sp>
-      <p:sp>
-        <p:nvSpPr>
-          <p:cNvPr id="11" name="Téglalap 10"/>
-          <p:cNvSpPr/>
-          <p:nvPr/>
-        </p:nvSpPr>
-        <p:spPr>
-          <a:xfrm>
-            <a:off x="5898964" y="2499354"/>
-            <a:ext cx="2272938" cy="539931"/>
-          </a:xfrm>
-          <a:prstGeom prst="rect">
-            <a:avLst/>
-          </a:prstGeom>
-        </p:spPr>
-        <p:style>
-          <a:lnRef idx="2">
-            <a:schemeClr val="accent1">
-              <a:shade val="50000"/>
-            </a:schemeClr>
-          </a:lnRef>
-          <a:fillRef idx="1">
-            <a:schemeClr val="accent1"/>
-          </a:fillRef>
-          <a:effectRef idx="0">
-            <a:schemeClr val="accent1"/>
-          </a:effectRef>
-          <a:fontRef idx="minor">
-            <a:schemeClr val="lt1"/>
-          </a:fontRef>
-        </p:style>
-        <p:txBody>
-          <a:bodyPr rtlCol="0" anchor="ctr"/>
-          <a:lstStyle/>
-          <a:p>
-            <a:pPr algn="ctr"/>
-            <a:r>
-              <a:rPr lang="hu-HU" sz="2800" dirty="0" smtClean="0">
-                <a:solidFill>
-                  <a:srgbClr val="FF0000"/>
-                </a:solidFill>
-              </a:rPr>
-              <a:t>Termékek</a:t>
-            </a:r>
-            <a:endParaRPr lang="hu-HU" sz="2800" dirty="0">
-              <a:solidFill>
-                <a:srgbClr val="FF0000"/>
-              </a:solidFill>
-            </a:endParaRPr>
-          </a:p>
-        </p:txBody>
-      </p:sp>
-      <p:sp>
-        <p:nvSpPr>
-          <p:cNvPr id="24" name="Téglalap 23"/>
-          <p:cNvSpPr/>
-          <p:nvPr/>
-        </p:nvSpPr>
-        <p:spPr>
-          <a:xfrm>
-            <a:off x="2739390" y="4077473"/>
-            <a:ext cx="1354184" cy="1600199"/>
-          </a:xfrm>
-          <a:prstGeom prst="rect">
-            <a:avLst/>
-          </a:prstGeom>
-        </p:spPr>
-        <p:style>
-          <a:lnRef idx="2">
-            <a:schemeClr val="accent1">
-              <a:shade val="50000"/>
-            </a:schemeClr>
-          </a:lnRef>
-          <a:fillRef idx="1">
-            <a:schemeClr val="accent1"/>
-          </a:fillRef>
-          <a:effectRef idx="0">
-            <a:schemeClr val="accent1"/>
-          </a:effectRef>
-          <a:fontRef idx="minor">
-            <a:schemeClr val="lt1"/>
-          </a:fontRef>
-        </p:style>
-        <p:txBody>
-          <a:bodyPr rtlCol="0" anchor="ctr"/>
-          <a:lstStyle/>
-          <a:p>
-            <a:pPr algn="ctr"/>
-            <a:endParaRPr lang="hu-HU"/>
-          </a:p>
-        </p:txBody>
-      </p:sp>
-      <p:sp>
-        <p:nvSpPr>
-          <p:cNvPr id="25" name="Téglalap 24"/>
-          <p:cNvSpPr/>
-          <p:nvPr/>
-        </p:nvSpPr>
-        <p:spPr>
-          <a:xfrm>
-            <a:off x="4535531" y="4077468"/>
-            <a:ext cx="1354184" cy="1600199"/>
-          </a:xfrm>
-          <a:prstGeom prst="rect">
-            <a:avLst/>
-          </a:prstGeom>
-        </p:spPr>
-        <p:style>
-          <a:lnRef idx="2">
-            <a:schemeClr val="accent1">
-              <a:shade val="50000"/>
-            </a:schemeClr>
-          </a:lnRef>
-          <a:fillRef idx="1">
-            <a:schemeClr val="accent1"/>
-          </a:fillRef>
-          <a:effectRef idx="0">
-            <a:schemeClr val="accent1"/>
-          </a:effectRef>
-          <a:fontRef idx="minor">
-            <a:schemeClr val="lt1"/>
-          </a:fontRef>
-        </p:style>
-        <p:txBody>
-          <a:bodyPr rtlCol="0" anchor="ctr"/>
-          <a:lstStyle/>
-          <a:p>
-            <a:pPr algn="ctr"/>
-            <a:endParaRPr lang="hu-HU"/>
-          </a:p>
-        </p:txBody>
-      </p:sp>
-      <p:sp>
-        <p:nvSpPr>
-          <p:cNvPr id="26" name="Téglalap 25"/>
-          <p:cNvSpPr/>
-          <p:nvPr/>
-        </p:nvSpPr>
-        <p:spPr>
-          <a:xfrm>
-            <a:off x="6327318" y="4077467"/>
-            <a:ext cx="1354184" cy="1600199"/>
-          </a:xfrm>
-          <a:prstGeom prst="rect">
-            <a:avLst/>
-          </a:prstGeom>
-        </p:spPr>
-        <p:style>
-          <a:lnRef idx="2">
-            <a:schemeClr val="accent1">
-              <a:shade val="50000"/>
-            </a:schemeClr>
-          </a:lnRef>
-          <a:fillRef idx="1">
-            <a:schemeClr val="accent1"/>
-          </a:fillRef>
-          <a:effectRef idx="0">
-            <a:schemeClr val="accent1"/>
-          </a:effectRef>
-          <a:fontRef idx="minor">
-            <a:schemeClr val="lt1"/>
-          </a:fontRef>
-        </p:style>
-        <p:txBody>
-          <a:bodyPr rtlCol="0" anchor="ctr"/>
-          <a:lstStyle/>
-          <a:p>
-            <a:pPr algn="ctr"/>
-            <a:endParaRPr lang="hu-HU"/>
-          </a:p>
-        </p:txBody>
-      </p:sp>
-      <p:sp>
-        <p:nvSpPr>
-          <p:cNvPr id="27" name="Téglalap 26"/>
-          <p:cNvSpPr/>
-          <p:nvPr/>
-        </p:nvSpPr>
-        <p:spPr>
-          <a:xfrm>
-            <a:off x="8159385" y="4077467"/>
-            <a:ext cx="1354184" cy="1600199"/>
-          </a:xfrm>
-          <a:prstGeom prst="rect">
-            <a:avLst/>
-          </a:prstGeom>
-        </p:spPr>
-        <p:style>
-          <a:lnRef idx="2">
-            <a:schemeClr val="accent1">
-              <a:shade val="50000"/>
-            </a:schemeClr>
-          </a:lnRef>
-          <a:fillRef idx="1">
-            <a:schemeClr val="accent1"/>
-          </a:fillRef>
-          <a:effectRef idx="0">
-            <a:schemeClr val="accent1"/>
-          </a:effectRef>
-          <a:fontRef idx="minor">
-            <a:schemeClr val="lt1"/>
-          </a:fontRef>
-        </p:style>
-        <p:txBody>
-          <a:bodyPr rtlCol="0" anchor="ctr"/>
-          <a:lstStyle/>
-          <a:p>
-            <a:pPr algn="ctr"/>
-            <a:endParaRPr lang="hu-HU"/>
-          </a:p>
-        </p:txBody>
-      </p:sp>
-      <p:sp>
-        <p:nvSpPr>
-          <p:cNvPr id="28" name="Téglalap 27"/>
-          <p:cNvSpPr/>
-          <p:nvPr/>
-        </p:nvSpPr>
-        <p:spPr>
-          <a:xfrm>
-            <a:off x="10061120" y="4077466"/>
-            <a:ext cx="1354184" cy="1600199"/>
-          </a:xfrm>
-          <a:prstGeom prst="rect">
-            <a:avLst/>
-          </a:prstGeom>
-        </p:spPr>
-        <p:style>
-          <a:lnRef idx="2">
-            <a:schemeClr val="accent1">
-              <a:shade val="50000"/>
-            </a:schemeClr>
-          </a:lnRef>
-          <a:fillRef idx="1">
-            <a:schemeClr val="accent1"/>
-          </a:fillRef>
-          <a:effectRef idx="0">
-            <a:schemeClr val="accent1"/>
-          </a:effectRef>
-          <a:fontRef idx="minor">
-            <a:schemeClr val="lt1"/>
-          </a:fontRef>
-        </p:style>
-        <p:txBody>
-          <a:bodyPr rtlCol="0" anchor="ctr"/>
-          <a:lstStyle/>
-          <a:p>
-            <a:pPr algn="ctr"/>
-            <a:endParaRPr lang="hu-HU"/>
-          </a:p>
-        </p:txBody>
-      </p:sp>
-      <p:sp>
-        <p:nvSpPr>
-          <p:cNvPr id="23" name="Téglalap 22"/>
-          <p:cNvSpPr/>
-          <p:nvPr/>
-        </p:nvSpPr>
-        <p:spPr>
-          <a:xfrm>
-            <a:off x="5898964" y="4508155"/>
-            <a:ext cx="2272938" cy="539931"/>
-          </a:xfrm>
-          <a:prstGeom prst="rect">
-            <a:avLst/>
-          </a:prstGeom>
-        </p:spPr>
-        <p:style>
-          <a:lnRef idx="2">
-            <a:schemeClr val="accent1">
-              <a:shade val="50000"/>
-            </a:schemeClr>
-          </a:lnRef>
-          <a:fillRef idx="1">
-            <a:schemeClr val="accent1"/>
-          </a:fillRef>
-          <a:effectRef idx="0">
-            <a:schemeClr val="accent1"/>
-          </a:effectRef>
-          <a:fontRef idx="minor">
-            <a:schemeClr val="lt1"/>
-          </a:fontRef>
-        </p:style>
-        <p:txBody>
-          <a:bodyPr rtlCol="0" anchor="ctr"/>
-          <a:lstStyle/>
-          <a:p>
-            <a:pPr algn="ctr"/>
-            <a:r>
-              <a:rPr lang="hu-HU" sz="2800" dirty="0" smtClean="0">
-                <a:solidFill>
-                  <a:srgbClr val="FF0000"/>
-                </a:solidFill>
-              </a:rPr>
-              <a:t>Gyors leírás</a:t>
-            </a:r>
-            <a:endParaRPr lang="hu-HU" sz="2800" dirty="0">
-              <a:solidFill>
-                <a:srgbClr val="FF0000"/>
-              </a:solidFill>
-            </a:endParaRPr>
+          <p:cNvPr id="3" name="Tartalom helye 2"/>
+          <p:cNvSpPr>
+            <a:spLocks noGrp="1"/>
+          </p:cNvSpPr>
+          <p:nvPr>
+            <p:ph idx="1"/>
+          </p:nvPr>
+        </p:nvSpPr>
+        <p:spPr/>
+        <p:txBody>
+          <a:bodyPr/>
+          <a:lstStyle/>
+          <a:p>
+            <a:endParaRPr lang="hu-HU"/>
           </a:p>
         </p:txBody>
       </p:sp>
     </p:spTree>
     <p:extLst>
       <p:ext uri="{BB962C8B-B14F-4D97-AF65-F5344CB8AC3E}">
-        <p14:creationId xmlns:p14="http://schemas.microsoft.com/office/powerpoint/2010/main" val="2027837560"/>
+        <p14:creationId xmlns:p14="http://schemas.microsoft.com/office/powerpoint/2010/main" val="2489506166"/>
       </p:ext>
     </p:extLst>
   </p:cSld>
@@ -4459,16 +3640,46 @@
           <a:chExt cx="0" cy="0"/>
         </a:xfrm>
       </p:grpSpPr>
-      <p:sp>
-        <p:nvSpPr>
-          <p:cNvPr id="4" name="Téglalap 3"/>
+      <p:pic>
+        <p:nvPicPr>
+          <p:cNvPr id="6" name="Kép 5"/>
+          <p:cNvPicPr>
+            <a:picLocks noChangeAspect="1"/>
+          </p:cNvPicPr>
+          <p:nvPr/>
+        </p:nvPicPr>
+        <p:blipFill>
+          <a:blip r:embed="rId2">
+            <a:extLst>
+              <a:ext uri="{28A0092B-C50C-407E-A947-70E740481C1C}">
+                <a14:useLocalDpi xmlns:a14="http://schemas.microsoft.com/office/drawing/2010/main" val="0"/>
+              </a:ext>
+            </a:extLst>
+          </a:blip>
+          <a:stretch>
+            <a:fillRect/>
+          </a:stretch>
+        </p:blipFill>
+        <p:spPr>
+          <a:xfrm>
+            <a:off x="0" y="528277"/>
+            <a:ext cx="12192000" cy="5801445"/>
+          </a:xfrm>
+          <a:prstGeom prst="rect">
+            <a:avLst/>
+          </a:prstGeom>
+        </p:spPr>
+      </p:pic>
+      <p:sp>
+        <p:nvSpPr>
+          <p:cNvPr id="10" name="Téglalap 9"/>
           <p:cNvSpPr/>
           <p:nvPr/>
         </p:nvSpPr>
         <p:spPr>
           <a:xfrm>
-            <a:off x="905692" y="261257"/>
-            <a:ext cx="4476205" cy="1297577"/>
+            <a:off x="5172891" y="740229"/>
+            <a:ext cx="1584960" cy="539931"/>
           </a:xfrm>
           <a:prstGeom prst="rect">
             <a:avLst/>
@@ -4495,32 +3706,20 @@
           <a:lstStyle/>
           <a:p>
             <a:pPr algn="ctr"/>
-            <a:r>
-              <a:rPr lang="hu-HU" sz="3600" dirty="0" smtClean="0">
-                <a:solidFill>
-                  <a:srgbClr val="FF0000"/>
-                </a:solidFill>
-              </a:rPr>
-              <a:t>Termékkép</a:t>
-            </a:r>
-            <a:endParaRPr lang="hu-HU" sz="3600" dirty="0">
-              <a:solidFill>
-                <a:srgbClr val="FF0000"/>
-              </a:solidFill>
-            </a:endParaRPr>
-          </a:p>
-        </p:txBody>
-      </p:sp>
-      <p:sp>
-        <p:nvSpPr>
-          <p:cNvPr id="5" name="Téglalap 4"/>
+            <a:endParaRPr lang="hu-HU"/>
+          </a:p>
+        </p:txBody>
+      </p:sp>
+      <p:sp>
+        <p:nvSpPr>
+          <p:cNvPr id="12" name="Téglalap 11"/>
           <p:cNvSpPr/>
           <p:nvPr/>
         </p:nvSpPr>
         <p:spPr>
           <a:xfrm>
-            <a:off x="755468" y="1776548"/>
-            <a:ext cx="4791892" cy="583475"/>
+            <a:off x="111033" y="3159033"/>
+            <a:ext cx="2181498" cy="539931"/>
           </a:xfrm>
           <a:prstGeom prst="rect">
             <a:avLst/>
@@ -4547,36 +3746,30 @@
           <a:lstStyle/>
           <a:p>
             <a:pPr algn="ctr"/>
-            <a:r>
-              <a:rPr lang="hu-HU" sz="3200" dirty="0" smtClean="0">
-                <a:solidFill>
-                  <a:srgbClr val="FF0000"/>
-                </a:solidFill>
-              </a:rPr>
-              <a:t>Terméknév</a:t>
-            </a:r>
-            <a:endParaRPr lang="hu-HU" sz="3200" dirty="0">
-              <a:solidFill>
-                <a:srgbClr val="FF0000"/>
-              </a:solidFill>
-            </a:endParaRPr>
-          </a:p>
-        </p:txBody>
-      </p:sp>
-      <p:sp>
-        <p:nvSpPr>
-          <p:cNvPr id="6" name="Téglalap 5"/>
+            <a:endParaRPr lang="hu-HU"/>
+          </a:p>
+        </p:txBody>
+      </p:sp>
+      <p:sp>
+        <p:nvSpPr>
+          <p:cNvPr id="7" name="Téglalap 6"/>
           <p:cNvSpPr/>
           <p:nvPr/>
         </p:nvSpPr>
         <p:spPr>
           <a:xfrm>
-            <a:off x="690154" y="2712720"/>
-            <a:ext cx="4857206" cy="391886"/>
+            <a:off x="2403565" y="1576251"/>
+            <a:ext cx="9457509" cy="4753471"/>
           </a:xfrm>
           <a:prstGeom prst="rect">
             <a:avLst/>
           </a:prstGeom>
+          <a:noFill/>
+          <a:ln w="76200">
+            <a:solidFill>
+              <a:schemeClr val="tx1"/>
+            </a:solidFill>
+          </a:ln>
         </p:spPr>
         <p:style>
           <a:lnRef idx="2">
@@ -4599,15 +3792,7 @@
           <a:lstStyle/>
           <a:p>
             <a:pPr algn="ctr"/>
-            <a:r>
-              <a:rPr lang="hu-HU" sz="3200" dirty="0" smtClean="0">
-                <a:solidFill>
-                  <a:srgbClr val="FF0000"/>
-                </a:solidFill>
-              </a:rPr>
-              <a:t>ár</a:t>
-            </a:r>
-            <a:endParaRPr lang="hu-HU" sz="3200" dirty="0">
+            <a:endParaRPr lang="hu-HU" sz="4400" dirty="0">
               <a:solidFill>
                 <a:srgbClr val="FF0000"/>
               </a:solidFill>
@@ -4617,18 +3802,24 @@
       </p:sp>
       <p:sp>
         <p:nvSpPr>
-          <p:cNvPr id="7" name="Téglalap 6"/>
+          <p:cNvPr id="8" name="Téglalap 7"/>
           <p:cNvSpPr/>
           <p:nvPr/>
         </p:nvSpPr>
         <p:spPr>
           <a:xfrm>
-            <a:off x="438693" y="3291840"/>
-            <a:ext cx="5360127" cy="1097279"/>
+            <a:off x="0" y="528277"/>
+            <a:ext cx="11861074" cy="1047974"/>
           </a:xfrm>
           <a:prstGeom prst="rect">
             <a:avLst/>
           </a:prstGeom>
+          <a:noFill/>
+          <a:ln w="76200">
+            <a:solidFill>
+              <a:schemeClr val="tx1"/>
+            </a:solidFill>
+          </a:ln>
         </p:spPr>
         <p:style>
           <a:lnRef idx="2">
@@ -4652,14 +3843,14 @@
           <a:p>
             <a:pPr algn="ctr"/>
             <a:r>
-              <a:rPr lang="hu-HU" sz="3200" dirty="0" smtClean="0">
+              <a:rPr lang="hu-HU" sz="3600" dirty="0" smtClean="0">
                 <a:solidFill>
                   <a:srgbClr val="FF0000"/>
                 </a:solidFill>
               </a:rPr>
-              <a:t>Termékleírás</a:t>
-            </a:r>
-            <a:endParaRPr lang="hu-HU" sz="3200" dirty="0">
+              <a:t>Kereső</a:t>
+            </a:r>
+            <a:endParaRPr lang="hu-HU" sz="3600" dirty="0">
               <a:solidFill>
                 <a:srgbClr val="FF0000"/>
               </a:solidFill>
@@ -4669,18 +3860,24 @@
       </p:sp>
       <p:sp>
         <p:nvSpPr>
-          <p:cNvPr id="8" name="Téglalap 7"/>
+          <p:cNvPr id="9" name="Téglalap 8"/>
           <p:cNvSpPr/>
           <p:nvPr/>
         </p:nvSpPr>
         <p:spPr>
           <a:xfrm>
-            <a:off x="317861" y="4754879"/>
-            <a:ext cx="5601789" cy="1428206"/>
+            <a:off x="0" y="1576252"/>
+            <a:ext cx="2403565" cy="3709852"/>
           </a:xfrm>
           <a:prstGeom prst="rect">
             <a:avLst/>
           </a:prstGeom>
+          <a:noFill/>
+          <a:ln w="76200">
+            <a:solidFill>
+              <a:schemeClr val="tx1"/>
+            </a:solidFill>
+          </a:ln>
         </p:spPr>
         <p:style>
           <a:lnRef idx="2">
@@ -4709,7 +3906,7 @@
                   <a:srgbClr val="FF0000"/>
                 </a:solidFill>
               </a:rPr>
-              <a:t>Termékstatisztika</a:t>
+              <a:t>Kategória</a:t>
             </a:r>
             <a:endParaRPr lang="hu-HU" sz="3200" dirty="0">
               <a:solidFill>
@@ -4721,14 +3918,14 @@
       </p:sp>
       <p:sp>
         <p:nvSpPr>
-          <p:cNvPr id="9" name="Téglalap 8"/>
+          <p:cNvPr id="14" name="Téglalap 13"/>
           <p:cNvSpPr/>
           <p:nvPr/>
         </p:nvSpPr>
         <p:spPr>
           <a:xfrm>
-            <a:off x="6648995" y="261257"/>
-            <a:ext cx="4476205" cy="1297577"/>
+            <a:off x="111033" y="5519826"/>
+            <a:ext cx="2181498" cy="539931"/>
           </a:xfrm>
           <a:prstGeom prst="rect">
             <a:avLst/>
@@ -4755,36 +3952,30 @@
           <a:lstStyle/>
           <a:p>
             <a:pPr algn="ctr"/>
-            <a:r>
-              <a:rPr lang="hu-HU" sz="3600" dirty="0" smtClean="0">
-                <a:solidFill>
-                  <a:srgbClr val="FF0000"/>
-                </a:solidFill>
-              </a:rPr>
-              <a:t>Termékkép</a:t>
-            </a:r>
-            <a:endParaRPr lang="hu-HU" sz="3600" dirty="0">
-              <a:solidFill>
-                <a:srgbClr val="FF0000"/>
-              </a:solidFill>
-            </a:endParaRPr>
-          </a:p>
-        </p:txBody>
-      </p:sp>
-      <p:sp>
-        <p:nvSpPr>
-          <p:cNvPr id="10" name="Téglalap 9"/>
+            <a:endParaRPr lang="hu-HU"/>
+          </a:p>
+        </p:txBody>
+      </p:sp>
+      <p:sp>
+        <p:nvSpPr>
+          <p:cNvPr id="13" name="Téglalap 12"/>
           <p:cNvSpPr/>
           <p:nvPr/>
         </p:nvSpPr>
         <p:spPr>
           <a:xfrm>
-            <a:off x="6498771" y="1776548"/>
-            <a:ext cx="4791892" cy="583475"/>
+            <a:off x="0" y="5286104"/>
+            <a:ext cx="2403565" cy="1043618"/>
           </a:xfrm>
           <a:prstGeom prst="rect">
             <a:avLst/>
           </a:prstGeom>
+          <a:noFill/>
+          <a:ln w="76200">
+            <a:solidFill>
+              <a:schemeClr val="tx1"/>
+            </a:solidFill>
+          </a:ln>
         </p:spPr>
         <p:style>
           <a:lnRef idx="2">
@@ -4808,14 +3999,14 @@
           <a:p>
             <a:pPr algn="ctr"/>
             <a:r>
-              <a:rPr lang="hu-HU" sz="3200" dirty="0" smtClean="0">
+              <a:rPr lang="hu-HU" sz="2400" dirty="0" smtClean="0">
                 <a:solidFill>
                   <a:srgbClr val="FF0000"/>
                 </a:solidFill>
               </a:rPr>
-              <a:t>Terméknév</a:t>
-            </a:r>
-            <a:endParaRPr lang="hu-HU" sz="3200" dirty="0">
+              <a:t>Összehasonlítás</a:t>
+            </a:r>
+            <a:endParaRPr lang="hu-HU" sz="2400" dirty="0">
               <a:solidFill>
                 <a:srgbClr val="FF0000"/>
               </a:solidFill>
@@ -4825,14 +4016,14 @@
       </p:sp>
       <p:sp>
         <p:nvSpPr>
-          <p:cNvPr id="11" name="Téglalap 10"/>
+          <p:cNvPr id="15" name="Téglalap 14"/>
           <p:cNvSpPr/>
           <p:nvPr/>
         </p:nvSpPr>
         <p:spPr>
           <a:xfrm>
-            <a:off x="6433457" y="2712720"/>
-            <a:ext cx="4857206" cy="391886"/>
+            <a:off x="2751907" y="2072640"/>
+            <a:ext cx="1354184" cy="1600199"/>
           </a:xfrm>
           <a:prstGeom prst="rect">
             <a:avLst/>
@@ -4859,32 +4050,20 @@
           <a:lstStyle/>
           <a:p>
             <a:pPr algn="ctr"/>
-            <a:r>
-              <a:rPr lang="hu-HU" sz="3200" dirty="0" smtClean="0">
-                <a:solidFill>
-                  <a:srgbClr val="FF0000"/>
-                </a:solidFill>
-              </a:rPr>
-              <a:t>ár</a:t>
-            </a:r>
-            <a:endParaRPr lang="hu-HU" sz="3200" dirty="0">
-              <a:solidFill>
-                <a:srgbClr val="FF0000"/>
-              </a:solidFill>
-            </a:endParaRPr>
-          </a:p>
-        </p:txBody>
-      </p:sp>
-      <p:sp>
-        <p:nvSpPr>
-          <p:cNvPr id="12" name="Téglalap 11"/>
+            <a:endParaRPr lang="hu-HU"/>
+          </a:p>
+        </p:txBody>
+      </p:sp>
+      <p:sp>
+        <p:nvSpPr>
+          <p:cNvPr id="19" name="Téglalap 18"/>
           <p:cNvSpPr/>
           <p:nvPr/>
         </p:nvSpPr>
         <p:spPr>
           <a:xfrm>
-            <a:off x="6181996" y="3291840"/>
-            <a:ext cx="5360127" cy="1097279"/>
+            <a:off x="4548048" y="2072635"/>
+            <a:ext cx="1354184" cy="1600199"/>
           </a:xfrm>
           <a:prstGeom prst="rect">
             <a:avLst/>
@@ -4911,32 +4090,20 @@
           <a:lstStyle/>
           <a:p>
             <a:pPr algn="ctr"/>
-            <a:r>
-              <a:rPr lang="hu-HU" sz="3200" dirty="0" smtClean="0">
-                <a:solidFill>
-                  <a:srgbClr val="FF0000"/>
-                </a:solidFill>
-              </a:rPr>
-              <a:t>Termékleírás</a:t>
-            </a:r>
-            <a:endParaRPr lang="hu-HU" sz="3200" dirty="0">
-              <a:solidFill>
-                <a:srgbClr val="FF0000"/>
-              </a:solidFill>
-            </a:endParaRPr>
-          </a:p>
-        </p:txBody>
-      </p:sp>
-      <p:sp>
-        <p:nvSpPr>
-          <p:cNvPr id="13" name="Téglalap 12"/>
+            <a:endParaRPr lang="hu-HU"/>
+          </a:p>
+        </p:txBody>
+      </p:sp>
+      <p:sp>
+        <p:nvSpPr>
+          <p:cNvPr id="20" name="Téglalap 19"/>
           <p:cNvSpPr/>
           <p:nvPr/>
         </p:nvSpPr>
         <p:spPr>
           <a:xfrm>
-            <a:off x="6061164" y="4754879"/>
-            <a:ext cx="5601789" cy="1428206"/>
+            <a:off x="6339835" y="2072634"/>
+            <a:ext cx="1354184" cy="1600199"/>
           </a:xfrm>
           <a:prstGeom prst="rect">
             <a:avLst/>
@@ -4963,32 +4130,20 @@
           <a:lstStyle/>
           <a:p>
             <a:pPr algn="ctr"/>
-            <a:r>
-              <a:rPr lang="hu-HU" sz="3200" dirty="0" smtClean="0">
-                <a:solidFill>
-                  <a:srgbClr val="FF0000"/>
-                </a:solidFill>
-              </a:rPr>
-              <a:t>Termékstatisztika</a:t>
-            </a:r>
-            <a:endParaRPr lang="hu-HU" sz="3200" dirty="0">
-              <a:solidFill>
-                <a:srgbClr val="FF0000"/>
-              </a:solidFill>
-            </a:endParaRPr>
-          </a:p>
-        </p:txBody>
-      </p:sp>
-      <p:sp>
-        <p:nvSpPr>
-          <p:cNvPr id="14" name="Téglalap 13"/>
+            <a:endParaRPr lang="hu-HU"/>
+          </a:p>
+        </p:txBody>
+      </p:sp>
+      <p:sp>
+        <p:nvSpPr>
+          <p:cNvPr id="21" name="Téglalap 20"/>
           <p:cNvSpPr/>
           <p:nvPr/>
         </p:nvSpPr>
         <p:spPr>
           <a:xfrm>
-            <a:off x="3783328" y="2425337"/>
-            <a:ext cx="4555672" cy="966652"/>
+            <a:off x="8171902" y="2072634"/>
+            <a:ext cx="1354184" cy="1600199"/>
           </a:xfrm>
           <a:prstGeom prst="rect">
             <a:avLst/>
@@ -5015,15 +4170,95 @@
           <a:lstStyle/>
           <a:p>
             <a:pPr algn="ctr"/>
-            <a:r>
-              <a:rPr lang="hu-HU" sz="3600" dirty="0" smtClean="0">
+            <a:endParaRPr lang="hu-HU"/>
+          </a:p>
+        </p:txBody>
+      </p:sp>
+      <p:sp>
+        <p:nvSpPr>
+          <p:cNvPr id="22" name="Téglalap 21"/>
+          <p:cNvSpPr/>
+          <p:nvPr/>
+        </p:nvSpPr>
+        <p:spPr>
+          <a:xfrm>
+            <a:off x="10073637" y="2072633"/>
+            <a:ext cx="1354184" cy="1600199"/>
+          </a:xfrm>
+          <a:prstGeom prst="rect">
+            <a:avLst/>
+          </a:prstGeom>
+        </p:spPr>
+        <p:style>
+          <a:lnRef idx="2">
+            <a:schemeClr val="accent1">
+              <a:shade val="50000"/>
+            </a:schemeClr>
+          </a:lnRef>
+          <a:fillRef idx="1">
+            <a:schemeClr val="accent1"/>
+          </a:fillRef>
+          <a:effectRef idx="0">
+            <a:schemeClr val="accent1"/>
+          </a:effectRef>
+          <a:fontRef idx="minor">
+            <a:schemeClr val="lt1"/>
+          </a:fontRef>
+        </p:style>
+        <p:txBody>
+          <a:bodyPr rtlCol="0" anchor="ctr"/>
+          <a:lstStyle/>
+          <a:p>
+            <a:pPr algn="ctr"/>
+            <a:endParaRPr lang="hu-HU"/>
+          </a:p>
+        </p:txBody>
+      </p:sp>
+      <p:sp>
+        <p:nvSpPr>
+          <p:cNvPr id="11" name="Téglalap 10"/>
+          <p:cNvSpPr/>
+          <p:nvPr/>
+        </p:nvSpPr>
+        <p:spPr>
+          <a:xfrm>
+            <a:off x="5898964" y="2499354"/>
+            <a:ext cx="2272938" cy="539931"/>
+          </a:xfrm>
+          <a:prstGeom prst="rect">
+            <a:avLst/>
+          </a:prstGeom>
+        </p:spPr>
+        <p:style>
+          <a:lnRef idx="2">
+            <a:schemeClr val="accent1">
+              <a:shade val="50000"/>
+            </a:schemeClr>
+          </a:lnRef>
+          <a:fillRef idx="1">
+            <a:schemeClr val="accent1"/>
+          </a:fillRef>
+          <a:effectRef idx="0">
+            <a:schemeClr val="accent1"/>
+          </a:effectRef>
+          <a:fontRef idx="minor">
+            <a:schemeClr val="lt1"/>
+          </a:fontRef>
+        </p:style>
+        <p:txBody>
+          <a:bodyPr rtlCol="0" anchor="ctr"/>
+          <a:lstStyle/>
+          <a:p>
+            <a:pPr algn="ctr"/>
+            <a:r>
+              <a:rPr lang="hu-HU" sz="2800" dirty="0" smtClean="0">
                 <a:solidFill>
                   <a:srgbClr val="FF0000"/>
                 </a:solidFill>
               </a:rPr>
-              <a:t>Termék összehasonlítás</a:t>
-            </a:r>
-            <a:endParaRPr lang="hu-HU" sz="3600" dirty="0">
+              <a:t>Termékek</a:t>
+            </a:r>
+            <a:endParaRPr lang="hu-HU" sz="2800" dirty="0">
               <a:solidFill>
                 <a:srgbClr val="FF0000"/>
               </a:solidFill>
@@ -5031,10 +4266,262 @@
           </a:p>
         </p:txBody>
       </p:sp>
+      <p:sp>
+        <p:nvSpPr>
+          <p:cNvPr id="24" name="Téglalap 23"/>
+          <p:cNvSpPr/>
+          <p:nvPr/>
+        </p:nvSpPr>
+        <p:spPr>
+          <a:xfrm>
+            <a:off x="2739390" y="4077473"/>
+            <a:ext cx="1354184" cy="1600199"/>
+          </a:xfrm>
+          <a:prstGeom prst="rect">
+            <a:avLst/>
+          </a:prstGeom>
+        </p:spPr>
+        <p:style>
+          <a:lnRef idx="2">
+            <a:schemeClr val="accent1">
+              <a:shade val="50000"/>
+            </a:schemeClr>
+          </a:lnRef>
+          <a:fillRef idx="1">
+            <a:schemeClr val="accent1"/>
+          </a:fillRef>
+          <a:effectRef idx="0">
+            <a:schemeClr val="accent1"/>
+          </a:effectRef>
+          <a:fontRef idx="minor">
+            <a:schemeClr val="lt1"/>
+          </a:fontRef>
+        </p:style>
+        <p:txBody>
+          <a:bodyPr rtlCol="0" anchor="ctr"/>
+          <a:lstStyle/>
+          <a:p>
+            <a:pPr algn="ctr"/>
+            <a:endParaRPr lang="hu-HU"/>
+          </a:p>
+        </p:txBody>
+      </p:sp>
+      <p:sp>
+        <p:nvSpPr>
+          <p:cNvPr id="25" name="Téglalap 24"/>
+          <p:cNvSpPr/>
+          <p:nvPr/>
+        </p:nvSpPr>
+        <p:spPr>
+          <a:xfrm>
+            <a:off x="4535531" y="4077468"/>
+            <a:ext cx="1354184" cy="1600199"/>
+          </a:xfrm>
+          <a:prstGeom prst="rect">
+            <a:avLst/>
+          </a:prstGeom>
+        </p:spPr>
+        <p:style>
+          <a:lnRef idx="2">
+            <a:schemeClr val="accent1">
+              <a:shade val="50000"/>
+            </a:schemeClr>
+          </a:lnRef>
+          <a:fillRef idx="1">
+            <a:schemeClr val="accent1"/>
+          </a:fillRef>
+          <a:effectRef idx="0">
+            <a:schemeClr val="accent1"/>
+          </a:effectRef>
+          <a:fontRef idx="minor">
+            <a:schemeClr val="lt1"/>
+          </a:fontRef>
+        </p:style>
+        <p:txBody>
+          <a:bodyPr rtlCol="0" anchor="ctr"/>
+          <a:lstStyle/>
+          <a:p>
+            <a:pPr algn="ctr"/>
+            <a:endParaRPr lang="hu-HU"/>
+          </a:p>
+        </p:txBody>
+      </p:sp>
+      <p:sp>
+        <p:nvSpPr>
+          <p:cNvPr id="26" name="Téglalap 25"/>
+          <p:cNvSpPr/>
+          <p:nvPr/>
+        </p:nvSpPr>
+        <p:spPr>
+          <a:xfrm>
+            <a:off x="6327318" y="4077467"/>
+            <a:ext cx="1354184" cy="1600199"/>
+          </a:xfrm>
+          <a:prstGeom prst="rect">
+            <a:avLst/>
+          </a:prstGeom>
+        </p:spPr>
+        <p:style>
+          <a:lnRef idx="2">
+            <a:schemeClr val="accent1">
+              <a:shade val="50000"/>
+            </a:schemeClr>
+          </a:lnRef>
+          <a:fillRef idx="1">
+            <a:schemeClr val="accent1"/>
+          </a:fillRef>
+          <a:effectRef idx="0">
+            <a:schemeClr val="accent1"/>
+          </a:effectRef>
+          <a:fontRef idx="minor">
+            <a:schemeClr val="lt1"/>
+          </a:fontRef>
+        </p:style>
+        <p:txBody>
+          <a:bodyPr rtlCol="0" anchor="ctr"/>
+          <a:lstStyle/>
+          <a:p>
+            <a:pPr algn="ctr"/>
+            <a:endParaRPr lang="hu-HU"/>
+          </a:p>
+        </p:txBody>
+      </p:sp>
+      <p:sp>
+        <p:nvSpPr>
+          <p:cNvPr id="27" name="Téglalap 26"/>
+          <p:cNvSpPr/>
+          <p:nvPr/>
+        </p:nvSpPr>
+        <p:spPr>
+          <a:xfrm>
+            <a:off x="8159385" y="4077467"/>
+            <a:ext cx="1354184" cy="1600199"/>
+          </a:xfrm>
+          <a:prstGeom prst="rect">
+            <a:avLst/>
+          </a:prstGeom>
+        </p:spPr>
+        <p:style>
+          <a:lnRef idx="2">
+            <a:schemeClr val="accent1">
+              <a:shade val="50000"/>
+            </a:schemeClr>
+          </a:lnRef>
+          <a:fillRef idx="1">
+            <a:schemeClr val="accent1"/>
+          </a:fillRef>
+          <a:effectRef idx="0">
+            <a:schemeClr val="accent1"/>
+          </a:effectRef>
+          <a:fontRef idx="minor">
+            <a:schemeClr val="lt1"/>
+          </a:fontRef>
+        </p:style>
+        <p:txBody>
+          <a:bodyPr rtlCol="0" anchor="ctr"/>
+          <a:lstStyle/>
+          <a:p>
+            <a:pPr algn="ctr"/>
+            <a:endParaRPr lang="hu-HU"/>
+          </a:p>
+        </p:txBody>
+      </p:sp>
+      <p:sp>
+        <p:nvSpPr>
+          <p:cNvPr id="28" name="Téglalap 27"/>
+          <p:cNvSpPr/>
+          <p:nvPr/>
+        </p:nvSpPr>
+        <p:spPr>
+          <a:xfrm>
+            <a:off x="10061120" y="4077466"/>
+            <a:ext cx="1354184" cy="1600199"/>
+          </a:xfrm>
+          <a:prstGeom prst="rect">
+            <a:avLst/>
+          </a:prstGeom>
+        </p:spPr>
+        <p:style>
+          <a:lnRef idx="2">
+            <a:schemeClr val="accent1">
+              <a:shade val="50000"/>
+            </a:schemeClr>
+          </a:lnRef>
+          <a:fillRef idx="1">
+            <a:schemeClr val="accent1"/>
+          </a:fillRef>
+          <a:effectRef idx="0">
+            <a:schemeClr val="accent1"/>
+          </a:effectRef>
+          <a:fontRef idx="minor">
+            <a:schemeClr val="lt1"/>
+          </a:fontRef>
+        </p:style>
+        <p:txBody>
+          <a:bodyPr rtlCol="0" anchor="ctr"/>
+          <a:lstStyle/>
+          <a:p>
+            <a:pPr algn="ctr"/>
+            <a:endParaRPr lang="hu-HU"/>
+          </a:p>
+        </p:txBody>
+      </p:sp>
+      <p:sp>
+        <p:nvSpPr>
+          <p:cNvPr id="23" name="Téglalap 22"/>
+          <p:cNvSpPr/>
+          <p:nvPr/>
+        </p:nvSpPr>
+        <p:spPr>
+          <a:xfrm>
+            <a:off x="5898964" y="4508155"/>
+            <a:ext cx="2272938" cy="539931"/>
+          </a:xfrm>
+          <a:prstGeom prst="rect">
+            <a:avLst/>
+          </a:prstGeom>
+        </p:spPr>
+        <p:style>
+          <a:lnRef idx="2">
+            <a:schemeClr val="accent1">
+              <a:shade val="50000"/>
+            </a:schemeClr>
+          </a:lnRef>
+          <a:fillRef idx="1">
+            <a:schemeClr val="accent1"/>
+          </a:fillRef>
+          <a:effectRef idx="0">
+            <a:schemeClr val="accent1"/>
+          </a:effectRef>
+          <a:fontRef idx="minor">
+            <a:schemeClr val="lt1"/>
+          </a:fontRef>
+        </p:style>
+        <p:txBody>
+          <a:bodyPr rtlCol="0" anchor="ctr"/>
+          <a:lstStyle/>
+          <a:p>
+            <a:pPr algn="ctr"/>
+            <a:r>
+              <a:rPr lang="hu-HU" sz="2800" dirty="0" smtClean="0">
+                <a:solidFill>
+                  <a:srgbClr val="FF0000"/>
+                </a:solidFill>
+              </a:rPr>
+              <a:t>Gyors leírás</a:t>
+            </a:r>
+            <a:endParaRPr lang="hu-HU" sz="2800" dirty="0">
+              <a:solidFill>
+                <a:srgbClr val="FF0000"/>
+              </a:solidFill>
+            </a:endParaRPr>
+          </a:p>
+        </p:txBody>
+      </p:sp>
     </p:spTree>
     <p:extLst>
       <p:ext uri="{BB962C8B-B14F-4D97-AF65-F5344CB8AC3E}">
-        <p14:creationId xmlns:p14="http://schemas.microsoft.com/office/powerpoint/2010/main" val="3750366256"/>
+        <p14:creationId xmlns:p14="http://schemas.microsoft.com/office/powerpoint/2010/main" val="2027837560"/>
       </p:ext>
     </p:extLst>
   </p:cSld>
@@ -5070,6 +4557,608 @@
         <p:spPr>
           <a:xfrm>
             <a:off x="905692" y="261257"/>
+            <a:ext cx="4476205" cy="1297577"/>
+          </a:xfrm>
+          <a:prstGeom prst="rect">
+            <a:avLst/>
+          </a:prstGeom>
+        </p:spPr>
+        <p:style>
+          <a:lnRef idx="2">
+            <a:schemeClr val="accent1">
+              <a:shade val="50000"/>
+            </a:schemeClr>
+          </a:lnRef>
+          <a:fillRef idx="1">
+            <a:schemeClr val="accent1"/>
+          </a:fillRef>
+          <a:effectRef idx="0">
+            <a:schemeClr val="accent1"/>
+          </a:effectRef>
+          <a:fontRef idx="minor">
+            <a:schemeClr val="lt1"/>
+          </a:fontRef>
+        </p:style>
+        <p:txBody>
+          <a:bodyPr rtlCol="0" anchor="ctr"/>
+          <a:lstStyle/>
+          <a:p>
+            <a:pPr algn="ctr"/>
+            <a:r>
+              <a:rPr lang="hu-HU" sz="3600" dirty="0" smtClean="0">
+                <a:solidFill>
+                  <a:srgbClr val="FF0000"/>
+                </a:solidFill>
+              </a:rPr>
+              <a:t>Termékkép</a:t>
+            </a:r>
+            <a:endParaRPr lang="hu-HU" sz="3600" dirty="0">
+              <a:solidFill>
+                <a:srgbClr val="FF0000"/>
+              </a:solidFill>
+            </a:endParaRPr>
+          </a:p>
+        </p:txBody>
+      </p:sp>
+      <p:sp>
+        <p:nvSpPr>
+          <p:cNvPr id="5" name="Téglalap 4"/>
+          <p:cNvSpPr/>
+          <p:nvPr/>
+        </p:nvSpPr>
+        <p:spPr>
+          <a:xfrm>
+            <a:off x="755468" y="1776548"/>
+            <a:ext cx="4791892" cy="583475"/>
+          </a:xfrm>
+          <a:prstGeom prst="rect">
+            <a:avLst/>
+          </a:prstGeom>
+        </p:spPr>
+        <p:style>
+          <a:lnRef idx="2">
+            <a:schemeClr val="accent1">
+              <a:shade val="50000"/>
+            </a:schemeClr>
+          </a:lnRef>
+          <a:fillRef idx="1">
+            <a:schemeClr val="accent1"/>
+          </a:fillRef>
+          <a:effectRef idx="0">
+            <a:schemeClr val="accent1"/>
+          </a:effectRef>
+          <a:fontRef idx="minor">
+            <a:schemeClr val="lt1"/>
+          </a:fontRef>
+        </p:style>
+        <p:txBody>
+          <a:bodyPr rtlCol="0" anchor="ctr"/>
+          <a:lstStyle/>
+          <a:p>
+            <a:pPr algn="ctr"/>
+            <a:r>
+              <a:rPr lang="hu-HU" sz="3200" dirty="0" smtClean="0">
+                <a:solidFill>
+                  <a:srgbClr val="FF0000"/>
+                </a:solidFill>
+              </a:rPr>
+              <a:t>Terméknév</a:t>
+            </a:r>
+            <a:endParaRPr lang="hu-HU" sz="3200" dirty="0">
+              <a:solidFill>
+                <a:srgbClr val="FF0000"/>
+              </a:solidFill>
+            </a:endParaRPr>
+          </a:p>
+        </p:txBody>
+      </p:sp>
+      <p:sp>
+        <p:nvSpPr>
+          <p:cNvPr id="6" name="Téglalap 5"/>
+          <p:cNvSpPr/>
+          <p:nvPr/>
+        </p:nvSpPr>
+        <p:spPr>
+          <a:xfrm>
+            <a:off x="690154" y="2712720"/>
+            <a:ext cx="4857206" cy="391886"/>
+          </a:xfrm>
+          <a:prstGeom prst="rect">
+            <a:avLst/>
+          </a:prstGeom>
+        </p:spPr>
+        <p:style>
+          <a:lnRef idx="2">
+            <a:schemeClr val="accent1">
+              <a:shade val="50000"/>
+            </a:schemeClr>
+          </a:lnRef>
+          <a:fillRef idx="1">
+            <a:schemeClr val="accent1"/>
+          </a:fillRef>
+          <a:effectRef idx="0">
+            <a:schemeClr val="accent1"/>
+          </a:effectRef>
+          <a:fontRef idx="minor">
+            <a:schemeClr val="lt1"/>
+          </a:fontRef>
+        </p:style>
+        <p:txBody>
+          <a:bodyPr rtlCol="0" anchor="ctr"/>
+          <a:lstStyle/>
+          <a:p>
+            <a:pPr algn="ctr"/>
+            <a:r>
+              <a:rPr lang="hu-HU" sz="3200" dirty="0" smtClean="0">
+                <a:solidFill>
+                  <a:srgbClr val="FF0000"/>
+                </a:solidFill>
+              </a:rPr>
+              <a:t>ár</a:t>
+            </a:r>
+            <a:endParaRPr lang="hu-HU" sz="3200" dirty="0">
+              <a:solidFill>
+                <a:srgbClr val="FF0000"/>
+              </a:solidFill>
+            </a:endParaRPr>
+          </a:p>
+        </p:txBody>
+      </p:sp>
+      <p:sp>
+        <p:nvSpPr>
+          <p:cNvPr id="7" name="Téglalap 6"/>
+          <p:cNvSpPr/>
+          <p:nvPr/>
+        </p:nvSpPr>
+        <p:spPr>
+          <a:xfrm>
+            <a:off x="438693" y="3291840"/>
+            <a:ext cx="5360127" cy="1097279"/>
+          </a:xfrm>
+          <a:prstGeom prst="rect">
+            <a:avLst/>
+          </a:prstGeom>
+        </p:spPr>
+        <p:style>
+          <a:lnRef idx="2">
+            <a:schemeClr val="accent1">
+              <a:shade val="50000"/>
+            </a:schemeClr>
+          </a:lnRef>
+          <a:fillRef idx="1">
+            <a:schemeClr val="accent1"/>
+          </a:fillRef>
+          <a:effectRef idx="0">
+            <a:schemeClr val="accent1"/>
+          </a:effectRef>
+          <a:fontRef idx="minor">
+            <a:schemeClr val="lt1"/>
+          </a:fontRef>
+        </p:style>
+        <p:txBody>
+          <a:bodyPr rtlCol="0" anchor="ctr"/>
+          <a:lstStyle/>
+          <a:p>
+            <a:pPr algn="ctr"/>
+            <a:r>
+              <a:rPr lang="hu-HU" sz="3200" dirty="0" smtClean="0">
+                <a:solidFill>
+                  <a:srgbClr val="FF0000"/>
+                </a:solidFill>
+              </a:rPr>
+              <a:t>Termékleírás</a:t>
+            </a:r>
+            <a:endParaRPr lang="hu-HU" sz="3200" dirty="0">
+              <a:solidFill>
+                <a:srgbClr val="FF0000"/>
+              </a:solidFill>
+            </a:endParaRPr>
+          </a:p>
+        </p:txBody>
+      </p:sp>
+      <p:sp>
+        <p:nvSpPr>
+          <p:cNvPr id="8" name="Téglalap 7"/>
+          <p:cNvSpPr/>
+          <p:nvPr/>
+        </p:nvSpPr>
+        <p:spPr>
+          <a:xfrm>
+            <a:off x="317861" y="4754879"/>
+            <a:ext cx="5601789" cy="1428206"/>
+          </a:xfrm>
+          <a:prstGeom prst="rect">
+            <a:avLst/>
+          </a:prstGeom>
+        </p:spPr>
+        <p:style>
+          <a:lnRef idx="2">
+            <a:schemeClr val="accent1">
+              <a:shade val="50000"/>
+            </a:schemeClr>
+          </a:lnRef>
+          <a:fillRef idx="1">
+            <a:schemeClr val="accent1"/>
+          </a:fillRef>
+          <a:effectRef idx="0">
+            <a:schemeClr val="accent1"/>
+          </a:effectRef>
+          <a:fontRef idx="minor">
+            <a:schemeClr val="lt1"/>
+          </a:fontRef>
+        </p:style>
+        <p:txBody>
+          <a:bodyPr rtlCol="0" anchor="ctr"/>
+          <a:lstStyle/>
+          <a:p>
+            <a:pPr algn="ctr"/>
+            <a:r>
+              <a:rPr lang="hu-HU" sz="3200" dirty="0" smtClean="0">
+                <a:solidFill>
+                  <a:srgbClr val="FF0000"/>
+                </a:solidFill>
+              </a:rPr>
+              <a:t>Termékstatisztika</a:t>
+            </a:r>
+            <a:endParaRPr lang="hu-HU" sz="3200" dirty="0">
+              <a:solidFill>
+                <a:srgbClr val="FF0000"/>
+              </a:solidFill>
+            </a:endParaRPr>
+          </a:p>
+        </p:txBody>
+      </p:sp>
+      <p:sp>
+        <p:nvSpPr>
+          <p:cNvPr id="9" name="Téglalap 8"/>
+          <p:cNvSpPr/>
+          <p:nvPr/>
+        </p:nvSpPr>
+        <p:spPr>
+          <a:xfrm>
+            <a:off x="6648995" y="261257"/>
+            <a:ext cx="4476205" cy="1297577"/>
+          </a:xfrm>
+          <a:prstGeom prst="rect">
+            <a:avLst/>
+          </a:prstGeom>
+        </p:spPr>
+        <p:style>
+          <a:lnRef idx="2">
+            <a:schemeClr val="accent1">
+              <a:shade val="50000"/>
+            </a:schemeClr>
+          </a:lnRef>
+          <a:fillRef idx="1">
+            <a:schemeClr val="accent1"/>
+          </a:fillRef>
+          <a:effectRef idx="0">
+            <a:schemeClr val="accent1"/>
+          </a:effectRef>
+          <a:fontRef idx="minor">
+            <a:schemeClr val="lt1"/>
+          </a:fontRef>
+        </p:style>
+        <p:txBody>
+          <a:bodyPr rtlCol="0" anchor="ctr"/>
+          <a:lstStyle/>
+          <a:p>
+            <a:pPr algn="ctr"/>
+            <a:r>
+              <a:rPr lang="hu-HU" sz="3600" dirty="0" smtClean="0">
+                <a:solidFill>
+                  <a:srgbClr val="FF0000"/>
+                </a:solidFill>
+              </a:rPr>
+              <a:t>Termékkép</a:t>
+            </a:r>
+            <a:endParaRPr lang="hu-HU" sz="3600" dirty="0">
+              <a:solidFill>
+                <a:srgbClr val="FF0000"/>
+              </a:solidFill>
+            </a:endParaRPr>
+          </a:p>
+        </p:txBody>
+      </p:sp>
+      <p:sp>
+        <p:nvSpPr>
+          <p:cNvPr id="10" name="Téglalap 9"/>
+          <p:cNvSpPr/>
+          <p:nvPr/>
+        </p:nvSpPr>
+        <p:spPr>
+          <a:xfrm>
+            <a:off x="6498771" y="1776548"/>
+            <a:ext cx="4791892" cy="583475"/>
+          </a:xfrm>
+          <a:prstGeom prst="rect">
+            <a:avLst/>
+          </a:prstGeom>
+        </p:spPr>
+        <p:style>
+          <a:lnRef idx="2">
+            <a:schemeClr val="accent1">
+              <a:shade val="50000"/>
+            </a:schemeClr>
+          </a:lnRef>
+          <a:fillRef idx="1">
+            <a:schemeClr val="accent1"/>
+          </a:fillRef>
+          <a:effectRef idx="0">
+            <a:schemeClr val="accent1"/>
+          </a:effectRef>
+          <a:fontRef idx="minor">
+            <a:schemeClr val="lt1"/>
+          </a:fontRef>
+        </p:style>
+        <p:txBody>
+          <a:bodyPr rtlCol="0" anchor="ctr"/>
+          <a:lstStyle/>
+          <a:p>
+            <a:pPr algn="ctr"/>
+            <a:r>
+              <a:rPr lang="hu-HU" sz="3200" dirty="0" smtClean="0">
+                <a:solidFill>
+                  <a:srgbClr val="FF0000"/>
+                </a:solidFill>
+              </a:rPr>
+              <a:t>Terméknév</a:t>
+            </a:r>
+            <a:endParaRPr lang="hu-HU" sz="3200" dirty="0">
+              <a:solidFill>
+                <a:srgbClr val="FF0000"/>
+              </a:solidFill>
+            </a:endParaRPr>
+          </a:p>
+        </p:txBody>
+      </p:sp>
+      <p:sp>
+        <p:nvSpPr>
+          <p:cNvPr id="11" name="Téglalap 10"/>
+          <p:cNvSpPr/>
+          <p:nvPr/>
+        </p:nvSpPr>
+        <p:spPr>
+          <a:xfrm>
+            <a:off x="6433457" y="2712720"/>
+            <a:ext cx="4857206" cy="391886"/>
+          </a:xfrm>
+          <a:prstGeom prst="rect">
+            <a:avLst/>
+          </a:prstGeom>
+        </p:spPr>
+        <p:style>
+          <a:lnRef idx="2">
+            <a:schemeClr val="accent1">
+              <a:shade val="50000"/>
+            </a:schemeClr>
+          </a:lnRef>
+          <a:fillRef idx="1">
+            <a:schemeClr val="accent1"/>
+          </a:fillRef>
+          <a:effectRef idx="0">
+            <a:schemeClr val="accent1"/>
+          </a:effectRef>
+          <a:fontRef idx="minor">
+            <a:schemeClr val="lt1"/>
+          </a:fontRef>
+        </p:style>
+        <p:txBody>
+          <a:bodyPr rtlCol="0" anchor="ctr"/>
+          <a:lstStyle/>
+          <a:p>
+            <a:pPr algn="ctr"/>
+            <a:r>
+              <a:rPr lang="hu-HU" sz="3200" dirty="0" smtClean="0">
+                <a:solidFill>
+                  <a:srgbClr val="FF0000"/>
+                </a:solidFill>
+              </a:rPr>
+              <a:t>ár</a:t>
+            </a:r>
+            <a:endParaRPr lang="hu-HU" sz="3200" dirty="0">
+              <a:solidFill>
+                <a:srgbClr val="FF0000"/>
+              </a:solidFill>
+            </a:endParaRPr>
+          </a:p>
+        </p:txBody>
+      </p:sp>
+      <p:sp>
+        <p:nvSpPr>
+          <p:cNvPr id="12" name="Téglalap 11"/>
+          <p:cNvSpPr/>
+          <p:nvPr/>
+        </p:nvSpPr>
+        <p:spPr>
+          <a:xfrm>
+            <a:off x="6181996" y="3291840"/>
+            <a:ext cx="5360127" cy="1097279"/>
+          </a:xfrm>
+          <a:prstGeom prst="rect">
+            <a:avLst/>
+          </a:prstGeom>
+        </p:spPr>
+        <p:style>
+          <a:lnRef idx="2">
+            <a:schemeClr val="accent1">
+              <a:shade val="50000"/>
+            </a:schemeClr>
+          </a:lnRef>
+          <a:fillRef idx="1">
+            <a:schemeClr val="accent1"/>
+          </a:fillRef>
+          <a:effectRef idx="0">
+            <a:schemeClr val="accent1"/>
+          </a:effectRef>
+          <a:fontRef idx="minor">
+            <a:schemeClr val="lt1"/>
+          </a:fontRef>
+        </p:style>
+        <p:txBody>
+          <a:bodyPr rtlCol="0" anchor="ctr"/>
+          <a:lstStyle/>
+          <a:p>
+            <a:pPr algn="ctr"/>
+            <a:r>
+              <a:rPr lang="hu-HU" sz="3200" dirty="0" smtClean="0">
+                <a:solidFill>
+                  <a:srgbClr val="FF0000"/>
+                </a:solidFill>
+              </a:rPr>
+              <a:t>Termékleírás</a:t>
+            </a:r>
+            <a:endParaRPr lang="hu-HU" sz="3200" dirty="0">
+              <a:solidFill>
+                <a:srgbClr val="FF0000"/>
+              </a:solidFill>
+            </a:endParaRPr>
+          </a:p>
+        </p:txBody>
+      </p:sp>
+      <p:sp>
+        <p:nvSpPr>
+          <p:cNvPr id="13" name="Téglalap 12"/>
+          <p:cNvSpPr/>
+          <p:nvPr/>
+        </p:nvSpPr>
+        <p:spPr>
+          <a:xfrm>
+            <a:off x="6061164" y="4754879"/>
+            <a:ext cx="5601789" cy="1428206"/>
+          </a:xfrm>
+          <a:prstGeom prst="rect">
+            <a:avLst/>
+          </a:prstGeom>
+        </p:spPr>
+        <p:style>
+          <a:lnRef idx="2">
+            <a:schemeClr val="accent1">
+              <a:shade val="50000"/>
+            </a:schemeClr>
+          </a:lnRef>
+          <a:fillRef idx="1">
+            <a:schemeClr val="accent1"/>
+          </a:fillRef>
+          <a:effectRef idx="0">
+            <a:schemeClr val="accent1"/>
+          </a:effectRef>
+          <a:fontRef idx="minor">
+            <a:schemeClr val="lt1"/>
+          </a:fontRef>
+        </p:style>
+        <p:txBody>
+          <a:bodyPr rtlCol="0" anchor="ctr"/>
+          <a:lstStyle/>
+          <a:p>
+            <a:pPr algn="ctr"/>
+            <a:r>
+              <a:rPr lang="hu-HU" sz="3200" dirty="0" smtClean="0">
+                <a:solidFill>
+                  <a:srgbClr val="FF0000"/>
+                </a:solidFill>
+              </a:rPr>
+              <a:t>Termékstatisztika</a:t>
+            </a:r>
+            <a:endParaRPr lang="hu-HU" sz="3200" dirty="0">
+              <a:solidFill>
+                <a:srgbClr val="FF0000"/>
+              </a:solidFill>
+            </a:endParaRPr>
+          </a:p>
+        </p:txBody>
+      </p:sp>
+      <p:sp>
+        <p:nvSpPr>
+          <p:cNvPr id="14" name="Téglalap 13"/>
+          <p:cNvSpPr/>
+          <p:nvPr/>
+        </p:nvSpPr>
+        <p:spPr>
+          <a:xfrm>
+            <a:off x="3783328" y="2425337"/>
+            <a:ext cx="4555672" cy="966652"/>
+          </a:xfrm>
+          <a:prstGeom prst="rect">
+            <a:avLst/>
+          </a:prstGeom>
+        </p:spPr>
+        <p:style>
+          <a:lnRef idx="2">
+            <a:schemeClr val="accent1">
+              <a:shade val="50000"/>
+            </a:schemeClr>
+          </a:lnRef>
+          <a:fillRef idx="1">
+            <a:schemeClr val="accent1"/>
+          </a:fillRef>
+          <a:effectRef idx="0">
+            <a:schemeClr val="accent1"/>
+          </a:effectRef>
+          <a:fontRef idx="minor">
+            <a:schemeClr val="lt1"/>
+          </a:fontRef>
+        </p:style>
+        <p:txBody>
+          <a:bodyPr rtlCol="0" anchor="ctr"/>
+          <a:lstStyle/>
+          <a:p>
+            <a:pPr algn="ctr"/>
+            <a:r>
+              <a:rPr lang="hu-HU" sz="3600" dirty="0" smtClean="0">
+                <a:solidFill>
+                  <a:srgbClr val="FF0000"/>
+                </a:solidFill>
+              </a:rPr>
+              <a:t>Termék összehasonlítás</a:t>
+            </a:r>
+            <a:endParaRPr lang="hu-HU" sz="3600" dirty="0">
+              <a:solidFill>
+                <a:srgbClr val="FF0000"/>
+              </a:solidFill>
+            </a:endParaRPr>
+          </a:p>
+        </p:txBody>
+      </p:sp>
+    </p:spTree>
+    <p:extLst>
+      <p:ext uri="{BB962C8B-B14F-4D97-AF65-F5344CB8AC3E}">
+        <p14:creationId xmlns:p14="http://schemas.microsoft.com/office/powerpoint/2010/main" val="3750366256"/>
+      </p:ext>
+    </p:extLst>
+  </p:cSld>
+  <p:clrMapOvr>
+    <a:masterClrMapping/>
+  </p:clrMapOvr>
+</p:sld>
+</file>
+
+<file path=ppt/slides/slide6.xml><?xml version="1.0" encoding="utf-8"?>
+<p:sld xmlns:a="http://schemas.openxmlformats.org/drawingml/2006/main" xmlns:r="http://schemas.openxmlformats.org/officeDocument/2006/relationships" xmlns:p="http://schemas.openxmlformats.org/presentationml/2006/main">
+  <p:cSld>
+    <p:spTree>
+      <p:nvGrpSpPr>
+        <p:cNvPr id="1" name=""/>
+        <p:cNvGrpSpPr/>
+        <p:nvPr/>
+      </p:nvGrpSpPr>
+      <p:grpSpPr>
+        <a:xfrm>
+          <a:off x="0" y="0"/>
+          <a:ext cx="0" cy="0"/>
+          <a:chOff x="0" y="0"/>
+          <a:chExt cx="0" cy="0"/>
+        </a:xfrm>
+      </p:grpSpPr>
+      <p:sp>
+        <p:nvSpPr>
+          <p:cNvPr id="4" name="Téglalap 3"/>
+          <p:cNvSpPr/>
+          <p:nvPr/>
+        </p:nvSpPr>
+        <p:spPr>
+          <a:xfrm>
+            <a:off x="905692" y="261257"/>
             <a:ext cx="4345577" cy="3509554"/>
           </a:xfrm>
           <a:prstGeom prst="rect">
@@ -5334,7 +5423,7 @@
 </p:sld>
 </file>
 
-<file path=ppt/slides/slide6.xml><?xml version="1.0" encoding="utf-8"?>
+<file path=ppt/slides/slide7.xml><?xml version="1.0" encoding="utf-8"?>
 <p:sld xmlns:a="http://schemas.openxmlformats.org/drawingml/2006/main" xmlns:r="http://schemas.openxmlformats.org/officeDocument/2006/relationships" xmlns:p="http://schemas.openxmlformats.org/presentationml/2006/main">
   <p:cSld>
     <p:spTree>

--- a/webárúház.pptx
+++ b/webárúház.pptx
@@ -249,7 +249,7 @@
           <a:p>
             <a:fld id="{33849697-961D-401B-AAAF-FABEEF374136}" type="datetimeFigureOut">
               <a:rPr lang="hu-HU" smtClean="0"/>
-              <a:t>2022.10.11.</a:t>
+              <a:t>2022.10.25.</a:t>
             </a:fld>
             <a:endParaRPr lang="hu-HU"/>
           </a:p>
@@ -419,7 +419,7 @@
           <a:p>
             <a:fld id="{33849697-961D-401B-AAAF-FABEEF374136}" type="datetimeFigureOut">
               <a:rPr lang="hu-HU" smtClean="0"/>
-              <a:t>2022.10.11.</a:t>
+              <a:t>2022.10.25.</a:t>
             </a:fld>
             <a:endParaRPr lang="hu-HU"/>
           </a:p>
@@ -599,7 +599,7 @@
           <a:p>
             <a:fld id="{33849697-961D-401B-AAAF-FABEEF374136}" type="datetimeFigureOut">
               <a:rPr lang="hu-HU" smtClean="0"/>
-              <a:t>2022.10.11.</a:t>
+              <a:t>2022.10.25.</a:t>
             </a:fld>
             <a:endParaRPr lang="hu-HU"/>
           </a:p>
@@ -769,7 +769,7 @@
           <a:p>
             <a:fld id="{33849697-961D-401B-AAAF-FABEEF374136}" type="datetimeFigureOut">
               <a:rPr lang="hu-HU" smtClean="0"/>
-              <a:t>2022.10.11.</a:t>
+              <a:t>2022.10.25.</a:t>
             </a:fld>
             <a:endParaRPr lang="hu-HU"/>
           </a:p>
@@ -1015,7 +1015,7 @@
           <a:p>
             <a:fld id="{33849697-961D-401B-AAAF-FABEEF374136}" type="datetimeFigureOut">
               <a:rPr lang="hu-HU" smtClean="0"/>
-              <a:t>2022.10.11.</a:t>
+              <a:t>2022.10.25.</a:t>
             </a:fld>
             <a:endParaRPr lang="hu-HU"/>
           </a:p>
@@ -1247,7 +1247,7 @@
           <a:p>
             <a:fld id="{33849697-961D-401B-AAAF-FABEEF374136}" type="datetimeFigureOut">
               <a:rPr lang="hu-HU" smtClean="0"/>
-              <a:t>2022.10.11.</a:t>
+              <a:t>2022.10.25.</a:t>
             </a:fld>
             <a:endParaRPr lang="hu-HU"/>
           </a:p>
@@ -1614,7 +1614,7 @@
           <a:p>
             <a:fld id="{33849697-961D-401B-AAAF-FABEEF374136}" type="datetimeFigureOut">
               <a:rPr lang="hu-HU" smtClean="0"/>
-              <a:t>2022.10.11.</a:t>
+              <a:t>2022.10.25.</a:t>
             </a:fld>
             <a:endParaRPr lang="hu-HU"/>
           </a:p>
@@ -1732,7 +1732,7 @@
           <a:p>
             <a:fld id="{33849697-961D-401B-AAAF-FABEEF374136}" type="datetimeFigureOut">
               <a:rPr lang="hu-HU" smtClean="0"/>
-              <a:t>2022.10.11.</a:t>
+              <a:t>2022.10.25.</a:t>
             </a:fld>
             <a:endParaRPr lang="hu-HU"/>
           </a:p>
@@ -1827,7 +1827,7 @@
           <a:p>
             <a:fld id="{33849697-961D-401B-AAAF-FABEEF374136}" type="datetimeFigureOut">
               <a:rPr lang="hu-HU" smtClean="0"/>
-              <a:t>2022.10.11.</a:t>
+              <a:t>2022.10.25.</a:t>
             </a:fld>
             <a:endParaRPr lang="hu-HU"/>
           </a:p>
@@ -2104,7 +2104,7 @@
           <a:p>
             <a:fld id="{33849697-961D-401B-AAAF-FABEEF374136}" type="datetimeFigureOut">
               <a:rPr lang="hu-HU" smtClean="0"/>
-              <a:t>2022.10.11.</a:t>
+              <a:t>2022.10.25.</a:t>
             </a:fld>
             <a:endParaRPr lang="hu-HU"/>
           </a:p>
@@ -2357,7 +2357,7 @@
           <a:p>
             <a:fld id="{33849697-961D-401B-AAAF-FABEEF374136}" type="datetimeFigureOut">
               <a:rPr lang="hu-HU" smtClean="0"/>
-              <a:t>2022.10.11.</a:t>
+              <a:t>2022.10.25.</a:t>
             </a:fld>
             <a:endParaRPr lang="hu-HU"/>
           </a:p>
@@ -2580,7 +2580,7 @@
           <a:p>
             <a:fld id="{33849697-961D-401B-AAAF-FABEEF374136}" type="datetimeFigureOut">
               <a:rPr lang="hu-HU" smtClean="0"/>
-              <a:t>2022.10.11.</a:t>
+              <a:t>2022.10.25.</a:t>
             </a:fld>
             <a:endParaRPr lang="hu-HU"/>
           </a:p>
@@ -2971,6 +2971,21 @@
 <file path=ppt/slides/slide1.xml><?xml version="1.0" encoding="utf-8"?>
 <p:sld xmlns:a="http://schemas.openxmlformats.org/drawingml/2006/main" xmlns:r="http://schemas.openxmlformats.org/officeDocument/2006/relationships" xmlns:p="http://schemas.openxmlformats.org/presentationml/2006/main">
   <p:cSld>
+    <p:bg>
+      <p:bgPr>
+        <a:blipFill dpi="0" rotWithShape="1">
+          <a:blip r:embed="rId2">
+            <a:alphaModFix amt="70000"/>
+            <a:lum/>
+          </a:blip>
+          <a:srcRect/>
+          <a:stretch>
+            <a:fillRect t="-6000" b="-6000"/>
+          </a:stretch>
+        </a:blipFill>
+        <a:effectLst/>
+      </p:bgPr>
+    </p:bg>
     <p:spTree>
       <p:nvGrpSpPr>
         <p:cNvPr id="1" name=""/>
@@ -3122,7 +3137,7 @@
         </p:blipFill>
         <p:spPr>
           <a:xfrm>
-            <a:off x="0" y="646113"/>
+            <a:off x="0" y="660605"/>
             <a:ext cx="12192000" cy="5727700"/>
           </a:xfrm>
           <a:prstGeom prst="rect">
@@ -3178,8 +3193,8 @@
         </p:nvSpPr>
         <p:spPr>
           <a:xfrm>
-            <a:off x="6392091" y="1436914"/>
-            <a:ext cx="2238103" cy="827314"/>
+            <a:off x="6531428" y="1436914"/>
+            <a:ext cx="2098766" cy="827314"/>
           </a:xfrm>
           <a:prstGeom prst="rect">
             <a:avLst/>
@@ -3258,8 +3273,8 @@
         </p:nvSpPr>
         <p:spPr>
           <a:xfrm>
-            <a:off x="6374674" y="3975032"/>
-            <a:ext cx="2238103" cy="827314"/>
+            <a:off x="4929051" y="2582714"/>
+            <a:ext cx="5010079" cy="3334136"/>
           </a:xfrm>
           <a:prstGeom prst="rect">
             <a:avLst/>
@@ -3286,7 +3301,74 @@
           <a:lstStyle/>
           <a:p>
             <a:pPr algn="ctr"/>
-            <a:endParaRPr lang="hu-HU"/>
+            <a:r>
+              <a:rPr lang="hu-HU" sz="3600" dirty="0">
+                <a:solidFill>
+                  <a:srgbClr val="FF0000"/>
+                </a:solidFill>
+              </a:rPr>
+              <a:t>Főoldal:</a:t>
+            </a:r>
+          </a:p>
+          <a:p>
+            <a:pPr algn="ctr"/>
+            <a:r>
+              <a:rPr lang="hu-HU" sz="3600" dirty="0">
+                <a:solidFill>
+                  <a:srgbClr val="FF0000"/>
+                </a:solidFill>
+              </a:rPr>
+              <a:t>Társaságunk leírása</a:t>
+            </a:r>
+          </a:p>
+          <a:p>
+            <a:pPr algn="ctr"/>
+            <a:r>
+              <a:rPr lang="hu-HU" sz="3600" dirty="0">
+                <a:solidFill>
+                  <a:srgbClr val="FF0000"/>
+                </a:solidFill>
+              </a:rPr>
+              <a:t>Elérhetőség</a:t>
+            </a:r>
+          </a:p>
+          <a:p>
+            <a:pPr algn="ctr"/>
+            <a:r>
+              <a:rPr lang="hu-HU" sz="3600" dirty="0">
+                <a:solidFill>
+                  <a:srgbClr val="FF0000"/>
+                </a:solidFill>
+              </a:rPr>
+              <a:t>Telefonszám</a:t>
+            </a:r>
+          </a:p>
+          <a:p>
+            <a:pPr algn="ctr"/>
+            <a:r>
+              <a:rPr lang="hu-HU" sz="3600" dirty="0">
+                <a:solidFill>
+                  <a:srgbClr val="FF0000"/>
+                </a:solidFill>
+              </a:rPr>
+              <a:t>E-mail</a:t>
+            </a:r>
+          </a:p>
+          <a:p>
+            <a:pPr algn="ctr"/>
+            <a:r>
+              <a:rPr lang="hu-HU" sz="3600" dirty="0">
+                <a:solidFill>
+                  <a:srgbClr val="FF0000"/>
+                </a:solidFill>
+              </a:rPr>
+              <a:t>jogszabályzat</a:t>
+            </a:r>
+            <a:endParaRPr lang="hu-HU" sz="3600" dirty="0">
+              <a:solidFill>
+                <a:srgbClr val="FF0000"/>
+              </a:solidFill>
+            </a:endParaRPr>
           </a:p>
         </p:txBody>
       </p:sp>
@@ -3472,7 +3554,7 @@
         </p:nvSpPr>
         <p:spPr>
           <a:xfrm>
-            <a:off x="3265714" y="2403566"/>
+            <a:off x="3265713" y="2403566"/>
             <a:ext cx="8456023" cy="3971108"/>
           </a:xfrm>
           <a:prstGeom prst="rect">
@@ -3506,14 +3588,6 @@
           <a:lstStyle/>
           <a:p>
             <a:pPr algn="ctr"/>
-            <a:r>
-              <a:rPr lang="hu-HU" sz="4800" dirty="0" smtClean="0">
-                <a:solidFill>
-                  <a:srgbClr val="FF0000"/>
-                </a:solidFill>
-              </a:rPr>
-              <a:t>Főoldal</a:t>
-            </a:r>
             <a:endParaRPr lang="hu-HU" sz="4800" dirty="0">
               <a:solidFill>
                 <a:srgbClr val="FF0000"/>
@@ -4354,8 +4428,8 @@
         </p:nvSpPr>
         <p:spPr>
           <a:xfrm>
-            <a:off x="6327318" y="4077467"/>
-            <a:ext cx="1354184" cy="1600199"/>
+            <a:off x="6251124" y="4004697"/>
+            <a:ext cx="1669332" cy="1982290"/>
           </a:xfrm>
           <a:prstGeom prst="rect">
             <a:avLst/>
@@ -4474,12 +4548,16 @@
         </p:nvSpPr>
         <p:spPr>
           <a:xfrm>
-            <a:off x="5898964" y="4508155"/>
-            <a:ext cx="2272938" cy="539931"/>
+            <a:off x="6226672" y="4108431"/>
+            <a:ext cx="1797227" cy="1699482"/>
           </a:xfrm>
           <a:prstGeom prst="rect">
             <a:avLst/>
           </a:prstGeom>
+          <a:noFill/>
+          <a:ln>
+            <a:noFill/>
+          </a:ln>
         </p:spPr>
         <p:style>
           <a:lnRef idx="2">
@@ -4503,14 +4581,36 @@
           <a:p>
             <a:pPr algn="ctr"/>
             <a:r>
-              <a:rPr lang="hu-HU" sz="2800" dirty="0" smtClean="0">
+              <a:rPr lang="hu-HU" sz="2400" dirty="0" smtClean="0">
                 <a:solidFill>
                   <a:srgbClr val="FF0000"/>
                 </a:solidFill>
               </a:rPr>
-              <a:t>Gyors leírás</a:t>
-            </a:r>
-            <a:endParaRPr lang="hu-HU" sz="2800" dirty="0">
+              <a:t>Hajó név</a:t>
+            </a:r>
+          </a:p>
+          <a:p>
+            <a:pPr algn="ctr"/>
+            <a:r>
+              <a:rPr lang="hu-HU" sz="2400" dirty="0" smtClean="0">
+                <a:solidFill>
+                  <a:srgbClr val="FF0000"/>
+                </a:solidFill>
+              </a:rPr>
+              <a:t>Ár (Kredit)</a:t>
+            </a:r>
+          </a:p>
+          <a:p>
+            <a:pPr algn="ctr"/>
+            <a:r>
+              <a:rPr lang="hu-HU" sz="2400" dirty="0" smtClean="0">
+                <a:solidFill>
+                  <a:srgbClr val="FF0000"/>
+                </a:solidFill>
+              </a:rPr>
+              <a:t>Tovább a termékre (link)</a:t>
+            </a:r>
+            <a:endParaRPr lang="hu-HU" sz="2400" dirty="0">
               <a:solidFill>
                 <a:srgbClr val="FF0000"/>
               </a:solidFill>
@@ -5426,6 +5526,21 @@
 <file path=ppt/slides/slide7.xml><?xml version="1.0" encoding="utf-8"?>
 <p:sld xmlns:a="http://schemas.openxmlformats.org/drawingml/2006/main" xmlns:r="http://schemas.openxmlformats.org/officeDocument/2006/relationships" xmlns:p="http://schemas.openxmlformats.org/presentationml/2006/main">
   <p:cSld>
+    <p:bg>
+      <p:bgPr>
+        <a:blipFill dpi="0" rotWithShape="1">
+          <a:blip r:embed="rId2">
+            <a:alphaModFix amt="67000"/>
+            <a:lum/>
+          </a:blip>
+          <a:srcRect/>
+          <a:stretch>
+            <a:fillRect t="-6000" b="-6000"/>
+          </a:stretch>
+        </a:blipFill>
+        <a:effectLst/>
+      </p:bgPr>
+    </p:bg>
     <p:spTree>
       <p:nvGrpSpPr>
         <p:cNvPr id="1" name=""/>
